--- a/Office办公套件/PowerPoint/PPT制作教程-bilibili/演示文稿1.pptx
+++ b/Office办公套件/PowerPoint/PPT制作教程-bilibili/演示文稿1.pptx
@@ -5,16 +5,18 @@
     <p:sldMasterId id="2147483843" r:id="rId1"/>
   </p:sldMasterIdLst>
   <p:notesMasterIdLst>
-    <p:notesMasterId r:id="rId6"/>
+    <p:notesMasterId r:id="rId8"/>
   </p:notesMasterIdLst>
   <p:handoutMasterIdLst>
-    <p:handoutMasterId r:id="rId7"/>
+    <p:handoutMasterId r:id="rId9"/>
   </p:handoutMasterIdLst>
   <p:sldIdLst>
     <p:sldId id="256" r:id="rId2"/>
     <p:sldId id="259" r:id="rId3"/>
     <p:sldId id="260" r:id="rId4"/>
     <p:sldId id="262" r:id="rId5"/>
+    <p:sldId id="263" r:id="rId6"/>
+    <p:sldId id="264" r:id="rId7"/>
   </p:sldIdLst>
   <p:sldSz cx="12192000" cy="6858000"/>
   <p:notesSz cx="6797675" cy="9926638"/>
@@ -146,6 +148,16 @@
             <a:srgbClr val="A4A3A4"/>
           </p15:clr>
         </p15:guide>
+        <p15:guide id="8" orient="horz" pos="436" userDrawn="1">
+          <p15:clr>
+            <a:srgbClr val="A4A3A4"/>
+          </p15:clr>
+        </p15:guide>
+        <p15:guide id="9" orient="horz" pos="3884" userDrawn="1">
+          <p15:clr>
+            <a:srgbClr val="A4A3A4"/>
+          </p15:clr>
+        </p15:guide>
       </p15:sldGuideLst>
     </p:ext>
     <p:ext uri="{2D200454-40CA-4A62-9FC3-DE9A4176ACB9}">
@@ -153,1006 +165,6 @@
     </p:ext>
   </p:extLst>
 </p:presentation>
-</file>
-
-<file path=ppt/charts/chart1.xml><?xml version="1.0" encoding="utf-8"?>
-<c:chartSpace xmlns:c="http://schemas.openxmlformats.org/drawingml/2006/chart" xmlns:a="http://schemas.openxmlformats.org/drawingml/2006/main" xmlns:r="http://schemas.openxmlformats.org/officeDocument/2006/relationships" xmlns:c16r2="http://schemas.microsoft.com/office/drawing/2015/06/chart">
-  <c:date1904 val="0"/>
-  <c:lang val="zh-CN"/>
-  <c:roundedCorners val="0"/>
-  <mc:AlternateContent xmlns:mc="http://schemas.openxmlformats.org/markup-compatibility/2006">
-    <mc:Choice xmlns:c14="http://schemas.microsoft.com/office/drawing/2007/8/2/chart" Requires="c14">
-      <c14:style val="102"/>
-    </mc:Choice>
-    <mc:Fallback>
-      <c:style val="2"/>
-    </mc:Fallback>
-  </mc:AlternateContent>
-  <c:chart>
-    <c:title>
-      <c:overlay val="0"/>
-      <c:spPr>
-        <a:noFill/>
-        <a:ln>
-          <a:noFill/>
-        </a:ln>
-        <a:effectLst/>
-      </c:spPr>
-      <c:txPr>
-        <a:bodyPr rot="0" spcFirstLastPara="1" vertOverflow="ellipsis" vert="horz" wrap="square" anchor="ctr" anchorCtr="1"/>
-        <a:lstStyle/>
-        <a:p>
-          <a:pPr>
-            <a:defRPr sz="1862" b="0" i="0" u="none" strike="noStrike" kern="1200" spc="0" baseline="0">
-              <a:solidFill>
-                <a:schemeClr val="tx1">
-                  <a:lumMod val="65000"/>
-                  <a:lumOff val="35000"/>
-                </a:schemeClr>
-              </a:solidFill>
-              <a:latin typeface="+mn-lt"/>
-              <a:ea typeface="+mn-ea"/>
-              <a:cs typeface="+mn-cs"/>
-            </a:defRPr>
-          </a:pPr>
-          <a:endParaRPr lang="zh-CN"/>
-        </a:p>
-      </c:txPr>
-    </c:title>
-    <c:autoTitleDeleted val="0"/>
-    <c:plotArea>
-      <c:layout/>
-      <c:barChart>
-        <c:barDir val="col"/>
-        <c:grouping val="clustered"/>
-        <c:varyColors val="0"/>
-        <c:ser>
-          <c:idx val="0"/>
-          <c:order val="0"/>
-          <c:tx>
-            <c:strRef>
-              <c:f>Sheet1!$B$1</c:f>
-              <c:strCache>
-                <c:ptCount val="1"/>
-                <c:pt idx="0">
-                  <c:v>系列 1</c:v>
-                </c:pt>
-              </c:strCache>
-            </c:strRef>
-          </c:tx>
-          <c:spPr>
-            <a:solidFill>
-              <a:schemeClr val="accent1"/>
-            </a:solidFill>
-            <a:ln>
-              <a:noFill/>
-            </a:ln>
-            <a:effectLst/>
-          </c:spPr>
-          <c:invertIfNegative val="0"/>
-          <c:cat>
-            <c:strRef>
-              <c:f>Sheet1!$A$2:$A$5</c:f>
-              <c:strCache>
-                <c:ptCount val="4"/>
-                <c:pt idx="0">
-                  <c:v>类别 1</c:v>
-                </c:pt>
-                <c:pt idx="1">
-                  <c:v>类别 2</c:v>
-                </c:pt>
-                <c:pt idx="2">
-                  <c:v>类别 3</c:v>
-                </c:pt>
-                <c:pt idx="3">
-                  <c:v>类别 4</c:v>
-                </c:pt>
-              </c:strCache>
-            </c:strRef>
-          </c:cat>
-          <c:val>
-            <c:numRef>
-              <c:f>Sheet1!$B$2:$B$5</c:f>
-              <c:numCache>
-                <c:formatCode>General</c:formatCode>
-                <c:ptCount val="4"/>
-                <c:pt idx="0">
-                  <c:v>4.3</c:v>
-                </c:pt>
-                <c:pt idx="1">
-                  <c:v>2.5</c:v>
-                </c:pt>
-                <c:pt idx="2">
-                  <c:v>3.5</c:v>
-                </c:pt>
-                <c:pt idx="3">
-                  <c:v>4.5</c:v>
-                </c:pt>
-              </c:numCache>
-            </c:numRef>
-          </c:val>
-          <c:extLst>
-            <c:ext xmlns:c16="http://schemas.microsoft.com/office/drawing/2014/chart" uri="{C3380CC4-5D6E-409C-BE32-E72D297353CC}">
-              <c16:uniqueId val="{00000000-68EA-E043-9196-D3E5D2548AF2}"/>
-            </c:ext>
-          </c:extLst>
-        </c:ser>
-        <c:ser>
-          <c:idx val="1"/>
-          <c:order val="1"/>
-          <c:tx>
-            <c:strRef>
-              <c:f>Sheet1!$C$1</c:f>
-              <c:strCache>
-                <c:ptCount val="1"/>
-                <c:pt idx="0">
-                  <c:v>系列 2</c:v>
-                </c:pt>
-              </c:strCache>
-            </c:strRef>
-          </c:tx>
-          <c:spPr>
-            <a:solidFill>
-              <a:schemeClr val="accent2"/>
-            </a:solidFill>
-            <a:ln>
-              <a:noFill/>
-            </a:ln>
-            <a:effectLst/>
-          </c:spPr>
-          <c:invertIfNegative val="0"/>
-          <c:cat>
-            <c:strRef>
-              <c:f>Sheet1!$A$2:$A$5</c:f>
-              <c:strCache>
-                <c:ptCount val="4"/>
-                <c:pt idx="0">
-                  <c:v>类别 1</c:v>
-                </c:pt>
-                <c:pt idx="1">
-                  <c:v>类别 2</c:v>
-                </c:pt>
-                <c:pt idx="2">
-                  <c:v>类别 3</c:v>
-                </c:pt>
-                <c:pt idx="3">
-                  <c:v>类别 4</c:v>
-                </c:pt>
-              </c:strCache>
-            </c:strRef>
-          </c:cat>
-          <c:val>
-            <c:numRef>
-              <c:f>Sheet1!$C$2:$C$5</c:f>
-              <c:numCache>
-                <c:formatCode>General</c:formatCode>
-                <c:ptCount val="4"/>
-                <c:pt idx="0">
-                  <c:v>2.4</c:v>
-                </c:pt>
-                <c:pt idx="1">
-                  <c:v>4.4000000000000004</c:v>
-                </c:pt>
-                <c:pt idx="2">
-                  <c:v>1.8</c:v>
-                </c:pt>
-                <c:pt idx="3">
-                  <c:v>2.8</c:v>
-                </c:pt>
-              </c:numCache>
-            </c:numRef>
-          </c:val>
-          <c:extLst>
-            <c:ext xmlns:c16="http://schemas.microsoft.com/office/drawing/2014/chart" uri="{C3380CC4-5D6E-409C-BE32-E72D297353CC}">
-              <c16:uniqueId val="{00000001-68EA-E043-9196-D3E5D2548AF2}"/>
-            </c:ext>
-          </c:extLst>
-        </c:ser>
-        <c:ser>
-          <c:idx val="2"/>
-          <c:order val="2"/>
-          <c:tx>
-            <c:strRef>
-              <c:f>Sheet1!$D$1</c:f>
-              <c:strCache>
-                <c:ptCount val="1"/>
-                <c:pt idx="0">
-                  <c:v>系列 3</c:v>
-                </c:pt>
-              </c:strCache>
-            </c:strRef>
-          </c:tx>
-          <c:spPr>
-            <a:solidFill>
-              <a:schemeClr val="accent3"/>
-            </a:solidFill>
-            <a:ln>
-              <a:noFill/>
-            </a:ln>
-            <a:effectLst/>
-          </c:spPr>
-          <c:invertIfNegative val="0"/>
-          <c:cat>
-            <c:strRef>
-              <c:f>Sheet1!$A$2:$A$5</c:f>
-              <c:strCache>
-                <c:ptCount val="4"/>
-                <c:pt idx="0">
-                  <c:v>类别 1</c:v>
-                </c:pt>
-                <c:pt idx="1">
-                  <c:v>类别 2</c:v>
-                </c:pt>
-                <c:pt idx="2">
-                  <c:v>类别 3</c:v>
-                </c:pt>
-                <c:pt idx="3">
-                  <c:v>类别 4</c:v>
-                </c:pt>
-              </c:strCache>
-            </c:strRef>
-          </c:cat>
-          <c:val>
-            <c:numRef>
-              <c:f>Sheet1!$D$2:$D$5</c:f>
-              <c:numCache>
-                <c:formatCode>General</c:formatCode>
-                <c:ptCount val="4"/>
-                <c:pt idx="0">
-                  <c:v>2</c:v>
-                </c:pt>
-                <c:pt idx="1">
-                  <c:v>2</c:v>
-                </c:pt>
-                <c:pt idx="2">
-                  <c:v>3</c:v>
-                </c:pt>
-                <c:pt idx="3">
-                  <c:v>5</c:v>
-                </c:pt>
-              </c:numCache>
-            </c:numRef>
-          </c:val>
-          <c:extLst>
-            <c:ext xmlns:c16="http://schemas.microsoft.com/office/drawing/2014/chart" uri="{C3380CC4-5D6E-409C-BE32-E72D297353CC}">
-              <c16:uniqueId val="{00000002-68EA-E043-9196-D3E5D2548AF2}"/>
-            </c:ext>
-          </c:extLst>
-        </c:ser>
-        <c:dLbls>
-          <c:showLegendKey val="0"/>
-          <c:showVal val="0"/>
-          <c:showCatName val="0"/>
-          <c:showSerName val="0"/>
-          <c:showPercent val="0"/>
-          <c:showBubbleSize val="0"/>
-        </c:dLbls>
-        <c:gapWidth val="219"/>
-        <c:overlap val="-27"/>
-        <c:axId val="1841207568"/>
-        <c:axId val="1840772528"/>
-      </c:barChart>
-      <c:catAx>
-        <c:axId val="1841207568"/>
-        <c:scaling>
-          <c:orientation val="minMax"/>
-        </c:scaling>
-        <c:delete val="0"/>
-        <c:axPos val="b"/>
-        <c:numFmt formatCode="General" sourceLinked="1"/>
-        <c:majorTickMark val="none"/>
-        <c:minorTickMark val="none"/>
-        <c:tickLblPos val="nextTo"/>
-        <c:spPr>
-          <a:noFill/>
-          <a:ln w="9525" cap="flat" cmpd="sng" algn="ctr">
-            <a:solidFill>
-              <a:schemeClr val="tx1">
-                <a:lumMod val="15000"/>
-                <a:lumOff val="85000"/>
-              </a:schemeClr>
-            </a:solidFill>
-            <a:round/>
-          </a:ln>
-          <a:effectLst/>
-        </c:spPr>
-        <c:txPr>
-          <a:bodyPr rot="-60000000" spcFirstLastPara="1" vertOverflow="ellipsis" vert="horz" wrap="square" anchor="ctr" anchorCtr="1"/>
-          <a:lstStyle/>
-          <a:p>
-            <a:pPr>
-              <a:defRPr sz="1197" b="0" i="0" u="none" strike="noStrike" kern="1200" baseline="0">
-                <a:solidFill>
-                  <a:schemeClr val="tx1">
-                    <a:lumMod val="65000"/>
-                    <a:lumOff val="35000"/>
-                  </a:schemeClr>
-                </a:solidFill>
-                <a:latin typeface="+mn-lt"/>
-                <a:ea typeface="+mn-ea"/>
-                <a:cs typeface="+mn-cs"/>
-              </a:defRPr>
-            </a:pPr>
-            <a:endParaRPr lang="zh-CN"/>
-          </a:p>
-        </c:txPr>
-        <c:crossAx val="1840772528"/>
-        <c:crosses val="autoZero"/>
-        <c:auto val="1"/>
-        <c:lblAlgn val="ctr"/>
-        <c:lblOffset val="100"/>
-        <c:noMultiLvlLbl val="0"/>
-      </c:catAx>
-      <c:valAx>
-        <c:axId val="1840772528"/>
-        <c:scaling>
-          <c:orientation val="minMax"/>
-        </c:scaling>
-        <c:delete val="0"/>
-        <c:axPos val="l"/>
-        <c:majorGridlines>
-          <c:spPr>
-            <a:ln w="9525" cap="flat" cmpd="sng" algn="ctr">
-              <a:solidFill>
-                <a:schemeClr val="tx1">
-                  <a:lumMod val="15000"/>
-                  <a:lumOff val="85000"/>
-                </a:schemeClr>
-              </a:solidFill>
-              <a:round/>
-            </a:ln>
-            <a:effectLst/>
-          </c:spPr>
-        </c:majorGridlines>
-        <c:numFmt formatCode="General" sourceLinked="1"/>
-        <c:majorTickMark val="none"/>
-        <c:minorTickMark val="none"/>
-        <c:tickLblPos val="nextTo"/>
-        <c:spPr>
-          <a:noFill/>
-          <a:ln>
-            <a:noFill/>
-          </a:ln>
-          <a:effectLst/>
-        </c:spPr>
-        <c:txPr>
-          <a:bodyPr rot="-60000000" spcFirstLastPara="1" vertOverflow="ellipsis" vert="horz" wrap="square" anchor="ctr" anchorCtr="1"/>
-          <a:lstStyle/>
-          <a:p>
-            <a:pPr>
-              <a:defRPr sz="1197" b="0" i="0" u="none" strike="noStrike" kern="1200" baseline="0">
-                <a:solidFill>
-                  <a:schemeClr val="tx1">
-                    <a:lumMod val="65000"/>
-                    <a:lumOff val="35000"/>
-                  </a:schemeClr>
-                </a:solidFill>
-                <a:latin typeface="+mn-lt"/>
-                <a:ea typeface="+mn-ea"/>
-                <a:cs typeface="+mn-cs"/>
-              </a:defRPr>
-            </a:pPr>
-            <a:endParaRPr lang="zh-CN"/>
-          </a:p>
-        </c:txPr>
-        <c:crossAx val="1841207568"/>
-        <c:crosses val="autoZero"/>
-        <c:crossBetween val="between"/>
-      </c:valAx>
-      <c:spPr>
-        <a:noFill/>
-        <a:ln>
-          <a:noFill/>
-        </a:ln>
-        <a:effectLst/>
-      </c:spPr>
-    </c:plotArea>
-    <c:legend>
-      <c:legendPos val="b"/>
-      <c:overlay val="0"/>
-      <c:spPr>
-        <a:noFill/>
-        <a:ln>
-          <a:noFill/>
-        </a:ln>
-        <a:effectLst/>
-      </c:spPr>
-      <c:txPr>
-        <a:bodyPr rot="0" spcFirstLastPara="1" vertOverflow="ellipsis" vert="horz" wrap="square" anchor="ctr" anchorCtr="1"/>
-        <a:lstStyle/>
-        <a:p>
-          <a:pPr>
-            <a:defRPr sz="1197" b="0" i="0" u="none" strike="noStrike" kern="1200" baseline="0">
-              <a:solidFill>
-                <a:schemeClr val="tx1">
-                  <a:lumMod val="65000"/>
-                  <a:lumOff val="35000"/>
-                </a:schemeClr>
-              </a:solidFill>
-              <a:latin typeface="+mn-lt"/>
-              <a:ea typeface="+mn-ea"/>
-              <a:cs typeface="+mn-cs"/>
-            </a:defRPr>
-          </a:pPr>
-          <a:endParaRPr lang="zh-CN"/>
-        </a:p>
-      </c:txPr>
-    </c:legend>
-    <c:plotVisOnly val="1"/>
-    <c:dispBlanksAs val="gap"/>
-    <c:extLst>
-      <c:ext xmlns:c16r3="http://schemas.microsoft.com/office/drawing/2017/03/chart" uri="{56B9EC1D-385E-4148-901F-78D8002777C0}">
-        <c16r3:dataDisplayOptions16>
-          <c16r3:dispNaAsBlank val="1"/>
-        </c16r3:dataDisplayOptions16>
-      </c:ext>
-    </c:extLst>
-    <c:showDLblsOverMax val="0"/>
-  </c:chart>
-  <c:spPr>
-    <a:noFill/>
-    <a:ln>
-      <a:noFill/>
-    </a:ln>
-    <a:effectLst/>
-  </c:spPr>
-  <c:txPr>
-    <a:bodyPr/>
-    <a:lstStyle/>
-    <a:p>
-      <a:pPr>
-        <a:defRPr/>
-      </a:pPr>
-      <a:endParaRPr lang="zh-CN"/>
-    </a:p>
-  </c:txPr>
-  <c:externalData r:id="rId3">
-    <c:autoUpdate val="0"/>
-  </c:externalData>
-</c:chartSpace>
-</file>
-
-<file path=ppt/charts/colors1.xml><?xml version="1.0" encoding="utf-8"?>
-<cs:colorStyle xmlns:cs="http://schemas.microsoft.com/office/drawing/2012/chartStyle" xmlns:a="http://schemas.openxmlformats.org/drawingml/2006/main" meth="cycle" id="10">
-  <a:schemeClr val="accent1"/>
-  <a:schemeClr val="accent2"/>
-  <a:schemeClr val="accent3"/>
-  <a:schemeClr val="accent4"/>
-  <a:schemeClr val="accent5"/>
-  <a:schemeClr val="accent6"/>
-  <cs:variation/>
-  <cs:variation>
-    <a:lumMod val="60000"/>
-  </cs:variation>
-  <cs:variation>
-    <a:lumMod val="80000"/>
-    <a:lumOff val="20000"/>
-  </cs:variation>
-  <cs:variation>
-    <a:lumMod val="80000"/>
-  </cs:variation>
-  <cs:variation>
-    <a:lumMod val="60000"/>
-    <a:lumOff val="40000"/>
-  </cs:variation>
-  <cs:variation>
-    <a:lumMod val="50000"/>
-  </cs:variation>
-  <cs:variation>
-    <a:lumMod val="70000"/>
-    <a:lumOff val="30000"/>
-  </cs:variation>
-  <cs:variation>
-    <a:lumMod val="70000"/>
-  </cs:variation>
-  <cs:variation>
-    <a:lumMod val="50000"/>
-    <a:lumOff val="50000"/>
-  </cs:variation>
-</cs:colorStyle>
-</file>
-
-<file path=ppt/charts/style1.xml><?xml version="1.0" encoding="utf-8"?>
-<cs:chartStyle xmlns:cs="http://schemas.microsoft.com/office/drawing/2012/chartStyle" xmlns:a="http://schemas.openxmlformats.org/drawingml/2006/main" id="201">
-  <cs:axisTitle>
-    <cs:lnRef idx="0"/>
-    <cs:fillRef idx="0"/>
-    <cs:effectRef idx="0"/>
-    <cs:fontRef idx="minor">
-      <a:schemeClr val="tx1">
-        <a:lumMod val="65000"/>
-        <a:lumOff val="35000"/>
-      </a:schemeClr>
-    </cs:fontRef>
-    <cs:defRPr sz="1330" kern="1200"/>
-  </cs:axisTitle>
-  <cs:categoryAxis>
-    <cs:lnRef idx="0"/>
-    <cs:fillRef idx="0"/>
-    <cs:effectRef idx="0"/>
-    <cs:fontRef idx="minor">
-      <a:schemeClr val="tx1">
-        <a:lumMod val="65000"/>
-        <a:lumOff val="35000"/>
-      </a:schemeClr>
-    </cs:fontRef>
-    <cs:spPr>
-      <a:ln w="9525" cap="flat" cmpd="sng" algn="ctr">
-        <a:solidFill>
-          <a:schemeClr val="tx1">
-            <a:lumMod val="15000"/>
-            <a:lumOff val="85000"/>
-          </a:schemeClr>
-        </a:solidFill>
-        <a:round/>
-      </a:ln>
-    </cs:spPr>
-    <cs:defRPr sz="1197" kern="1200"/>
-  </cs:categoryAxis>
-  <cs:chartArea mods="allowNoFillOverride allowNoLineOverride">
-    <cs:lnRef idx="0"/>
-    <cs:fillRef idx="0"/>
-    <cs:effectRef idx="0"/>
-    <cs:fontRef idx="minor">
-      <a:schemeClr val="tx1"/>
-    </cs:fontRef>
-    <cs:spPr>
-      <a:solidFill>
-        <a:schemeClr val="bg1"/>
-      </a:solidFill>
-      <a:ln w="9525" cap="flat" cmpd="sng" algn="ctr">
-        <a:solidFill>
-          <a:schemeClr val="tx1">
-            <a:lumMod val="15000"/>
-            <a:lumOff val="85000"/>
-          </a:schemeClr>
-        </a:solidFill>
-        <a:round/>
-      </a:ln>
-    </cs:spPr>
-    <cs:defRPr sz="1330" kern="1200"/>
-  </cs:chartArea>
-  <cs:dataLabel>
-    <cs:lnRef idx="0"/>
-    <cs:fillRef idx="0"/>
-    <cs:effectRef idx="0"/>
-    <cs:fontRef idx="minor">
-      <a:schemeClr val="tx1">
-        <a:lumMod val="75000"/>
-        <a:lumOff val="25000"/>
-      </a:schemeClr>
-    </cs:fontRef>
-    <cs:defRPr sz="1197" kern="1200"/>
-  </cs:dataLabel>
-  <cs:dataLabelCallout>
-    <cs:lnRef idx="0"/>
-    <cs:fillRef idx="0"/>
-    <cs:effectRef idx="0"/>
-    <cs:fontRef idx="minor">
-      <a:schemeClr val="dk1">
-        <a:lumMod val="65000"/>
-        <a:lumOff val="35000"/>
-      </a:schemeClr>
-    </cs:fontRef>
-    <cs:spPr>
-      <a:solidFill>
-        <a:schemeClr val="lt1"/>
-      </a:solidFill>
-      <a:ln>
-        <a:solidFill>
-          <a:schemeClr val="dk1">
-            <a:lumMod val="25000"/>
-            <a:lumOff val="75000"/>
-          </a:schemeClr>
-        </a:solidFill>
-      </a:ln>
-    </cs:spPr>
-    <cs:defRPr sz="1197" kern="1200"/>
-    <cs:bodyPr rot="0" spcFirstLastPara="1" vertOverflow="clip" horzOverflow="clip" vert="horz" wrap="square" lIns="36576" tIns="18288" rIns="36576" bIns="18288" anchor="ctr" anchorCtr="1">
-      <a:spAutoFit/>
-    </cs:bodyPr>
-  </cs:dataLabelCallout>
-  <cs:dataPoint>
-    <cs:lnRef idx="0"/>
-    <cs:fillRef idx="1">
-      <cs:styleClr val="auto"/>
-    </cs:fillRef>
-    <cs:effectRef idx="0"/>
-    <cs:fontRef idx="minor">
-      <a:schemeClr val="tx1"/>
-    </cs:fontRef>
-  </cs:dataPoint>
-  <cs:dataPoint3D>
-    <cs:lnRef idx="0"/>
-    <cs:fillRef idx="1">
-      <cs:styleClr val="auto"/>
-    </cs:fillRef>
-    <cs:effectRef idx="0"/>
-    <cs:fontRef idx="minor">
-      <a:schemeClr val="tx1"/>
-    </cs:fontRef>
-  </cs:dataPoint3D>
-  <cs:dataPointLine>
-    <cs:lnRef idx="0">
-      <cs:styleClr val="auto"/>
-    </cs:lnRef>
-    <cs:fillRef idx="1"/>
-    <cs:effectRef idx="0"/>
-    <cs:fontRef idx="minor">
-      <a:schemeClr val="tx1"/>
-    </cs:fontRef>
-    <cs:spPr>
-      <a:ln w="28575" cap="rnd">
-        <a:solidFill>
-          <a:schemeClr val="phClr"/>
-        </a:solidFill>
-        <a:round/>
-      </a:ln>
-    </cs:spPr>
-  </cs:dataPointLine>
-  <cs:dataPointMarker>
-    <cs:lnRef idx="0">
-      <cs:styleClr val="auto"/>
-    </cs:lnRef>
-    <cs:fillRef idx="1">
-      <cs:styleClr val="auto"/>
-    </cs:fillRef>
-    <cs:effectRef idx="0"/>
-    <cs:fontRef idx="minor">
-      <a:schemeClr val="tx1"/>
-    </cs:fontRef>
-    <cs:spPr>
-      <a:ln w="9525">
-        <a:solidFill>
-          <a:schemeClr val="phClr"/>
-        </a:solidFill>
-      </a:ln>
-    </cs:spPr>
-  </cs:dataPointMarker>
-  <cs:dataPointMarkerLayout symbol="circle" size="5"/>
-  <cs:dataPointWireframe>
-    <cs:lnRef idx="0">
-      <cs:styleClr val="auto"/>
-    </cs:lnRef>
-    <cs:fillRef idx="1"/>
-    <cs:effectRef idx="0"/>
-    <cs:fontRef idx="minor">
-      <a:schemeClr val="tx1"/>
-    </cs:fontRef>
-    <cs:spPr>
-      <a:ln w="9525" cap="rnd">
-        <a:solidFill>
-          <a:schemeClr val="phClr"/>
-        </a:solidFill>
-        <a:round/>
-      </a:ln>
-    </cs:spPr>
-  </cs:dataPointWireframe>
-  <cs:dataTable>
-    <cs:lnRef idx="0"/>
-    <cs:fillRef idx="0"/>
-    <cs:effectRef idx="0"/>
-    <cs:fontRef idx="minor">
-      <a:schemeClr val="tx1">
-        <a:lumMod val="65000"/>
-        <a:lumOff val="35000"/>
-      </a:schemeClr>
-    </cs:fontRef>
-    <cs:spPr>
-      <a:noFill/>
-      <a:ln w="9525" cap="flat" cmpd="sng" algn="ctr">
-        <a:solidFill>
-          <a:schemeClr val="tx1">
-            <a:lumMod val="15000"/>
-            <a:lumOff val="85000"/>
-          </a:schemeClr>
-        </a:solidFill>
-        <a:round/>
-      </a:ln>
-    </cs:spPr>
-    <cs:defRPr sz="1197" kern="1200"/>
-  </cs:dataTable>
-  <cs:downBar>
-    <cs:lnRef idx="0"/>
-    <cs:fillRef idx="0"/>
-    <cs:effectRef idx="0"/>
-    <cs:fontRef idx="minor">
-      <a:schemeClr val="dk1"/>
-    </cs:fontRef>
-    <cs:spPr>
-      <a:solidFill>
-        <a:schemeClr val="dk1">
-          <a:lumMod val="65000"/>
-          <a:lumOff val="35000"/>
-        </a:schemeClr>
-      </a:solidFill>
-      <a:ln w="9525">
-        <a:solidFill>
-          <a:schemeClr val="tx1">
-            <a:lumMod val="65000"/>
-            <a:lumOff val="35000"/>
-          </a:schemeClr>
-        </a:solidFill>
-      </a:ln>
-    </cs:spPr>
-  </cs:downBar>
-  <cs:dropLine>
-    <cs:lnRef idx="0"/>
-    <cs:fillRef idx="0"/>
-    <cs:effectRef idx="0"/>
-    <cs:fontRef idx="minor">
-      <a:schemeClr val="tx1"/>
-    </cs:fontRef>
-    <cs:spPr>
-      <a:ln w="9525" cap="flat" cmpd="sng" algn="ctr">
-        <a:solidFill>
-          <a:schemeClr val="tx1">
-            <a:lumMod val="35000"/>
-            <a:lumOff val="65000"/>
-          </a:schemeClr>
-        </a:solidFill>
-        <a:round/>
-      </a:ln>
-    </cs:spPr>
-  </cs:dropLine>
-  <cs:errorBar>
-    <cs:lnRef idx="0"/>
-    <cs:fillRef idx="0"/>
-    <cs:effectRef idx="0"/>
-    <cs:fontRef idx="minor">
-      <a:schemeClr val="tx1"/>
-    </cs:fontRef>
-    <cs:spPr>
-      <a:ln w="9525" cap="flat" cmpd="sng" algn="ctr">
-        <a:solidFill>
-          <a:schemeClr val="tx1">
-            <a:lumMod val="65000"/>
-            <a:lumOff val="35000"/>
-          </a:schemeClr>
-        </a:solidFill>
-        <a:round/>
-      </a:ln>
-    </cs:spPr>
-  </cs:errorBar>
-  <cs:floor>
-    <cs:lnRef idx="0"/>
-    <cs:fillRef idx="0"/>
-    <cs:effectRef idx="0"/>
-    <cs:fontRef idx="minor">
-      <a:schemeClr val="tx1"/>
-    </cs:fontRef>
-    <cs:spPr>
-      <a:noFill/>
-      <a:ln>
-        <a:noFill/>
-      </a:ln>
-    </cs:spPr>
-  </cs:floor>
-  <cs:gridlineMajor>
-    <cs:lnRef idx="0"/>
-    <cs:fillRef idx="0"/>
-    <cs:effectRef idx="0"/>
-    <cs:fontRef idx="minor">
-      <a:schemeClr val="tx1"/>
-    </cs:fontRef>
-    <cs:spPr>
-      <a:ln w="9525" cap="flat" cmpd="sng" algn="ctr">
-        <a:solidFill>
-          <a:schemeClr val="tx1">
-            <a:lumMod val="15000"/>
-            <a:lumOff val="85000"/>
-          </a:schemeClr>
-        </a:solidFill>
-        <a:round/>
-      </a:ln>
-    </cs:spPr>
-  </cs:gridlineMajor>
-  <cs:gridlineMinor>
-    <cs:lnRef idx="0"/>
-    <cs:fillRef idx="0"/>
-    <cs:effectRef idx="0"/>
-    <cs:fontRef idx="minor">
-      <a:schemeClr val="tx1"/>
-    </cs:fontRef>
-    <cs:spPr>
-      <a:ln w="9525" cap="flat" cmpd="sng" algn="ctr">
-        <a:solidFill>
-          <a:schemeClr val="tx1">
-            <a:lumMod val="5000"/>
-            <a:lumOff val="95000"/>
-          </a:schemeClr>
-        </a:solidFill>
-        <a:round/>
-      </a:ln>
-    </cs:spPr>
-  </cs:gridlineMinor>
-  <cs:hiLoLine>
-    <cs:lnRef idx="0"/>
-    <cs:fillRef idx="0"/>
-    <cs:effectRef idx="0"/>
-    <cs:fontRef idx="minor">
-      <a:schemeClr val="tx1"/>
-    </cs:fontRef>
-    <cs:spPr>
-      <a:ln w="9525" cap="flat" cmpd="sng" algn="ctr">
-        <a:solidFill>
-          <a:schemeClr val="tx1">
-            <a:lumMod val="75000"/>
-            <a:lumOff val="25000"/>
-          </a:schemeClr>
-        </a:solidFill>
-        <a:round/>
-      </a:ln>
-    </cs:spPr>
-  </cs:hiLoLine>
-  <cs:leaderLine>
-    <cs:lnRef idx="0"/>
-    <cs:fillRef idx="0"/>
-    <cs:effectRef idx="0"/>
-    <cs:fontRef idx="minor">
-      <a:schemeClr val="tx1"/>
-    </cs:fontRef>
-    <cs:spPr>
-      <a:ln w="9525" cap="flat" cmpd="sng" algn="ctr">
-        <a:solidFill>
-          <a:schemeClr val="tx1">
-            <a:lumMod val="35000"/>
-            <a:lumOff val="65000"/>
-          </a:schemeClr>
-        </a:solidFill>
-        <a:round/>
-      </a:ln>
-    </cs:spPr>
-  </cs:leaderLine>
-  <cs:legend>
-    <cs:lnRef idx="0"/>
-    <cs:fillRef idx="0"/>
-    <cs:effectRef idx="0"/>
-    <cs:fontRef idx="minor">
-      <a:schemeClr val="tx1">
-        <a:lumMod val="65000"/>
-        <a:lumOff val="35000"/>
-      </a:schemeClr>
-    </cs:fontRef>
-    <cs:defRPr sz="1197" kern="1200"/>
-  </cs:legend>
-  <cs:plotArea mods="allowNoFillOverride allowNoLineOverride">
-    <cs:lnRef idx="0"/>
-    <cs:fillRef idx="0"/>
-    <cs:effectRef idx="0"/>
-    <cs:fontRef idx="minor">
-      <a:schemeClr val="tx1"/>
-    </cs:fontRef>
-  </cs:plotArea>
-  <cs:plotArea3D mods="allowNoFillOverride allowNoLineOverride">
-    <cs:lnRef idx="0"/>
-    <cs:fillRef idx="0"/>
-    <cs:effectRef idx="0"/>
-    <cs:fontRef idx="minor">
-      <a:schemeClr val="tx1"/>
-    </cs:fontRef>
-  </cs:plotArea3D>
-  <cs:seriesAxis>
-    <cs:lnRef idx="0"/>
-    <cs:fillRef idx="0"/>
-    <cs:effectRef idx="0"/>
-    <cs:fontRef idx="minor">
-      <a:schemeClr val="tx1">
-        <a:lumMod val="65000"/>
-        <a:lumOff val="35000"/>
-      </a:schemeClr>
-    </cs:fontRef>
-    <cs:defRPr sz="1197" kern="1200"/>
-  </cs:seriesAxis>
-  <cs:seriesLine>
-    <cs:lnRef idx="0"/>
-    <cs:fillRef idx="0"/>
-    <cs:effectRef idx="0"/>
-    <cs:fontRef idx="minor">
-      <a:schemeClr val="tx1"/>
-    </cs:fontRef>
-    <cs:spPr>
-      <a:ln w="9525" cap="flat" cmpd="sng" algn="ctr">
-        <a:solidFill>
-          <a:schemeClr val="tx1">
-            <a:lumMod val="35000"/>
-            <a:lumOff val="65000"/>
-          </a:schemeClr>
-        </a:solidFill>
-        <a:round/>
-      </a:ln>
-    </cs:spPr>
-  </cs:seriesLine>
-  <cs:title>
-    <cs:lnRef idx="0"/>
-    <cs:fillRef idx="0"/>
-    <cs:effectRef idx="0"/>
-    <cs:fontRef idx="minor">
-      <a:schemeClr val="tx1">
-        <a:lumMod val="65000"/>
-        <a:lumOff val="35000"/>
-      </a:schemeClr>
-    </cs:fontRef>
-    <cs:defRPr sz="1862" b="0" kern="1200" spc="0" baseline="0"/>
-  </cs:title>
-  <cs:trendline>
-    <cs:lnRef idx="0">
-      <cs:styleClr val="auto"/>
-    </cs:lnRef>
-    <cs:fillRef idx="0"/>
-    <cs:effectRef idx="0"/>
-    <cs:fontRef idx="minor">
-      <a:schemeClr val="tx1"/>
-    </cs:fontRef>
-    <cs:spPr>
-      <a:ln w="19050" cap="rnd">
-        <a:solidFill>
-          <a:schemeClr val="phClr"/>
-        </a:solidFill>
-        <a:prstDash val="sysDot"/>
-      </a:ln>
-    </cs:spPr>
-  </cs:trendline>
-  <cs:trendlineLabel>
-    <cs:lnRef idx="0"/>
-    <cs:fillRef idx="0"/>
-    <cs:effectRef idx="0"/>
-    <cs:fontRef idx="minor">
-      <a:schemeClr val="tx1">
-        <a:lumMod val="65000"/>
-        <a:lumOff val="35000"/>
-      </a:schemeClr>
-    </cs:fontRef>
-    <cs:defRPr sz="1197" kern="1200"/>
-  </cs:trendlineLabel>
-  <cs:upBar>
-    <cs:lnRef idx="0"/>
-    <cs:fillRef idx="0"/>
-    <cs:effectRef idx="0"/>
-    <cs:fontRef idx="minor">
-      <a:schemeClr val="dk1"/>
-    </cs:fontRef>
-    <cs:spPr>
-      <a:solidFill>
-        <a:schemeClr val="lt1"/>
-      </a:solidFill>
-      <a:ln w="9525">
-        <a:solidFill>
-          <a:schemeClr val="tx1">
-            <a:lumMod val="15000"/>
-            <a:lumOff val="85000"/>
-          </a:schemeClr>
-        </a:solidFill>
-      </a:ln>
-    </cs:spPr>
-  </cs:upBar>
-  <cs:valueAxis>
-    <cs:lnRef idx="0"/>
-    <cs:fillRef idx="0"/>
-    <cs:effectRef idx="0"/>
-    <cs:fontRef idx="minor">
-      <a:schemeClr val="tx1">
-        <a:lumMod val="65000"/>
-        <a:lumOff val="35000"/>
-      </a:schemeClr>
-    </cs:fontRef>
-    <cs:defRPr sz="1197" kern="1200"/>
-  </cs:valueAxis>
-  <cs:wall>
-    <cs:lnRef idx="0"/>
-    <cs:fillRef idx="0"/>
-    <cs:effectRef idx="0"/>
-    <cs:fontRef idx="minor">
-      <a:schemeClr val="tx1"/>
-    </cs:fontRef>
-    <cs:spPr>
-      <a:noFill/>
-      <a:ln>
-        <a:noFill/>
-      </a:ln>
-    </cs:spPr>
-  </cs:wall>
-</cs:chartStyle>
 </file>
 
 <file path=ppt/handoutMasters/handoutMaster1.xml><?xml version="1.0" encoding="utf-8"?>
@@ -1249,7 +261,7 @@
           <a:p>
             <a:fld id="{3444D996-4A24-40D3-9F2C-052EDF450D95}" type="datetimeFigureOut">
               <a:rPr lang="zh-CN" altLang="en-US" smtClean="0"/>
-              <a:t>2023/6/10</a:t>
+              <a:t>2023/6/12</a:t>
             </a:fld>
             <a:endParaRPr lang="zh-CN" altLang="en-US"/>
           </a:p>
@@ -1426,7 +438,7 @@
           <a:p>
             <a:fld id="{FC6B9CFD-0A46-423E-B11A-5A25C21747AB}" type="datetimeFigureOut">
               <a:rPr lang="zh-CN" altLang="en-US" smtClean="0"/>
-              <a:t>2023/6/10</a:t>
+              <a:t>2023/6/12</a:t>
             </a:fld>
             <a:endParaRPr lang="zh-CN" altLang="en-US"/>
           </a:p>
@@ -2220,7 +1232,7 @@
           <a:p>
             <a:fld id="{99280D12-06FF-45AF-82F6-CF360F32A8A7}" type="datetime1">
               <a:rPr lang="zh-CN" altLang="en-US" smtClean="0"/>
-              <a:t>2023/6/10</a:t>
+              <a:t>2023/6/12</a:t>
             </a:fld>
             <a:endParaRPr lang="zh-CN" altLang="en-US"/>
           </a:p>
@@ -2660,7 +1672,7 @@
           <a:p>
             <a:fld id="{0D6C760C-9377-4DED-AF68-1C29C8AA98AC}" type="datetime1">
               <a:rPr lang="zh-CN" altLang="en-US" smtClean="0"/>
-              <a:t>2023/6/10</a:t>
+              <a:t>2023/6/12</a:t>
             </a:fld>
             <a:endParaRPr lang="zh-CN" altLang="en-US"/>
           </a:p>
@@ -2914,7 +1926,7 @@
           <a:p>
             <a:fld id="{DCC03B0F-DC54-4586-A704-9F25B42DC115}" type="datetime1">
               <a:rPr lang="zh-CN" altLang="en-US" smtClean="0"/>
-              <a:t>2023/6/10</a:t>
+              <a:t>2023/6/12</a:t>
             </a:fld>
             <a:endParaRPr lang="zh-CN" altLang="en-US"/>
           </a:p>
@@ -3226,7 +2238,7 @@
           <a:p>
             <a:fld id="{58C0336E-037A-425B-A88A-37D2C724B9F5}" type="datetime1">
               <a:rPr lang="zh-CN" altLang="en-US" smtClean="0"/>
-              <a:t>2023/6/10</a:t>
+              <a:t>2023/6/12</a:t>
             </a:fld>
             <a:endParaRPr lang="zh-CN" altLang="en-US"/>
           </a:p>
@@ -3548,7 +2560,7 @@
           <a:p>
             <a:fld id="{54B95B62-0974-42AB-AAD8-46CCCD602E60}" type="datetime1">
               <a:rPr lang="zh-CN" altLang="en-US" smtClean="0"/>
-              <a:t>2023/6/10</a:t>
+              <a:t>2023/6/12</a:t>
             </a:fld>
             <a:endParaRPr lang="zh-CN" altLang="en-US"/>
           </a:p>
@@ -3854,7 +2866,7 @@
           <a:p>
             <a:fld id="{B84F60E6-2B0B-4BFC-B0C2-D9F565B26274}" type="datetime1">
               <a:rPr lang="zh-CN" altLang="en-US" smtClean="0"/>
-              <a:t>2023/6/10</a:t>
+              <a:t>2023/6/12</a:t>
             </a:fld>
             <a:endParaRPr lang="zh-CN" altLang="en-US"/>
           </a:p>
@@ -4225,7 +3237,7 @@
           <a:p>
             <a:fld id="{232FBD7E-D9ED-4919-9DDB-DA3F1C8CF9B3}" type="datetime1">
               <a:rPr lang="zh-CN" altLang="en-US" smtClean="0"/>
-              <a:t>2023/6/10</a:t>
+              <a:t>2023/6/12</a:t>
             </a:fld>
             <a:endParaRPr lang="zh-CN" altLang="en-US"/>
           </a:p>
@@ -4403,7 +3415,7 @@
           <a:p>
             <a:fld id="{5B4A3BF2-16CF-4B1B-A753-4ECE3B58413C}" type="datetime1">
               <a:rPr lang="zh-CN" altLang="en-US" smtClean="0"/>
-              <a:t>2023/6/10</a:t>
+              <a:t>2023/6/12</a:t>
             </a:fld>
             <a:endParaRPr lang="zh-CN" altLang="en-US"/>
           </a:p>
@@ -4587,7 +3599,7 @@
           <a:p>
             <a:fld id="{3916DC50-BE9B-4663-BE86-CF0F40B8FB75}" type="datetime1">
               <a:rPr lang="zh-CN" altLang="en-US" smtClean="0"/>
-              <a:t>2023/6/10</a:t>
+              <a:t>2023/6/12</a:t>
             </a:fld>
             <a:endParaRPr lang="zh-CN" altLang="en-US"/>
           </a:p>
@@ -4692,7 +3704,7 @@
           <a:p>
             <a:fld id="{3F7B665C-1094-4F7A-8CB6-CD0AD8F3CDE0}" type="datetime1">
               <a:rPr lang="zh-CN" altLang="en-US" smtClean="0"/>
-              <a:t>2023/6/10</a:t>
+              <a:t>2023/6/12</a:t>
             </a:fld>
             <a:endParaRPr lang="zh-CN" altLang="en-US"/>
           </a:p>
@@ -4828,7 +3840,7 @@
           <a:p>
             <a:fld id="{62C6AA47-8A3E-4B53-880B-778482154B66}" type="datetime1">
               <a:rPr lang="zh-CN" altLang="en-US" smtClean="0"/>
-              <a:t>2023/6/10</a:t>
+              <a:t>2023/6/12</a:t>
             </a:fld>
             <a:endParaRPr lang="zh-CN" altLang="en-US"/>
           </a:p>
@@ -5022,7 +4034,7 @@
           <a:p>
             <a:fld id="{9A9EE799-38D3-4073-95F9-707B0CDE87FA}" type="datetime1">
               <a:rPr lang="zh-CN" altLang="en-US" smtClean="0"/>
-              <a:t>2023/6/10</a:t>
+              <a:t>2023/6/12</a:t>
             </a:fld>
             <a:endParaRPr lang="zh-CN" altLang="en-US"/>
           </a:p>
@@ -5276,7 +4288,7 @@
           <a:p>
             <a:fld id="{97FDA227-89E4-446D-83FD-0E01BBEA5388}" type="datetime1">
               <a:rPr lang="zh-CN" altLang="en-US" smtClean="0"/>
-              <a:t>2023/6/10</a:t>
+              <a:t>2023/6/12</a:t>
             </a:fld>
             <a:endParaRPr lang="zh-CN" altLang="en-US"/>
           </a:p>
@@ -5516,7 +4528,7 @@
           <a:p>
             <a:fld id="{EA6DA8F5-719E-4802-864C-B5AEA6562EAA}" type="datetime1">
               <a:rPr lang="zh-CN" altLang="en-US" smtClean="0"/>
-              <a:t>2023/6/10</a:t>
+              <a:t>2023/6/12</a:t>
             </a:fld>
             <a:endParaRPr lang="zh-CN" altLang="en-US"/>
           </a:p>
@@ -5902,7 +4914,7 @@
           <a:p>
             <a:fld id="{72748BBF-5EE4-4842-AE00-DEB278AF8DEE}" type="datetime1">
               <a:rPr lang="zh-CN" altLang="en-US" smtClean="0"/>
-              <a:t>2023/6/10</a:t>
+              <a:t>2023/6/12</a:t>
             </a:fld>
             <a:endParaRPr lang="zh-CN" altLang="en-US"/>
           </a:p>
@@ -6024,7 +5036,7 @@
           <a:p>
             <a:fld id="{4806F785-24AE-451D-9F99-4064A4005495}" type="datetime1">
               <a:rPr lang="zh-CN" altLang="en-US" smtClean="0"/>
-              <a:t>2023/6/10</a:t>
+              <a:t>2023/6/12</a:t>
             </a:fld>
             <a:endParaRPr lang="zh-CN" altLang="en-US"/>
           </a:p>
@@ -6123,7 +5135,7 @@
           <a:p>
             <a:fld id="{A2D25940-FF30-4149-A9B1-02F664B59A2B}" type="datetime1">
               <a:rPr lang="zh-CN" altLang="en-US" smtClean="0"/>
-              <a:t>2023/6/10</a:t>
+              <a:t>2023/6/12</a:t>
             </a:fld>
             <a:endParaRPr lang="zh-CN" altLang="en-US"/>
           </a:p>
@@ -6382,7 +5394,7 @@
           <a:p>
             <a:fld id="{F533C53D-CD6B-42D6-B283-CC646A7DA31D}" type="datetime1">
               <a:rPr lang="zh-CN" altLang="en-US" smtClean="0"/>
-              <a:t>2023/6/10</a:t>
+              <a:t>2023/6/12</a:t>
             </a:fld>
             <a:endParaRPr lang="zh-CN" altLang="en-US"/>
           </a:p>
@@ -6669,7 +5681,7 @@
           <a:p>
             <a:fld id="{81A9FE53-FA13-4722-9E60-FEC3C6B8295D}" type="datetime1">
               <a:rPr lang="zh-CN" altLang="en-US" smtClean="0"/>
-              <a:t>2023/6/10</a:t>
+              <a:t>2023/6/12</a:t>
             </a:fld>
             <a:endParaRPr lang="zh-CN" altLang="en-US"/>
           </a:p>
@@ -7077,7 +6089,7 @@
           <a:p>
             <a:fld id="{6A7508FF-794A-4D73-ABA2-52F5B9B9A4D7}" type="datetime1">
               <a:rPr lang="zh-CN" altLang="en-US" smtClean="0"/>
-              <a:t>2023/6/10</a:t>
+              <a:t>2023/6/12</a:t>
             </a:fld>
             <a:endParaRPr lang="zh-CN" altLang="en-US" dirty="0"/>
           </a:p>
@@ -7880,7 +6892,7 @@
           <a:p>
             <a:fld id="{C3B81950-4317-406C-89BA-D69306B6ECEF}" type="datetime1">
               <a:rPr lang="zh-CN" altLang="en-US" smtClean="0"/>
-              <a:t>2023/6/10</a:t>
+              <a:t>2023/6/12</a:t>
             </a:fld>
             <a:endParaRPr lang="zh-CN" altLang="en-US"/>
           </a:p>
@@ -7925,13 +6937,13 @@
   <p:clrMapOvr>
     <a:masterClrMapping/>
   </p:clrMapOvr>
-  <mc:AlternateContent xmlns:mc="http://schemas.openxmlformats.org/markup-compatibility/2006">
-    <mc:Choice xmlns:p14="http://schemas.microsoft.com/office/powerpoint/2010/main" Requires="p14">
+  <mc:AlternateContent xmlns:mc="http://schemas.openxmlformats.org/markup-compatibility/2006" xmlns:p14="http://schemas.microsoft.com/office/powerpoint/2010/main">
+    <mc:Choice Requires="p14">
       <p:transition spd="slow" p14:dur="2000">
         <p:random/>
       </p:transition>
     </mc:Choice>
-    <mc:Fallback>
+    <mc:Fallback xmlns="">
       <p:transition spd="slow">
         <p:random/>
       </p:transition>
@@ -8086,7 +7098,7 @@
           <a:p>
             <a:fld id="{EDCF8E9D-0405-4BEB-828C-84899042738C}" type="datetime1">
               <a:rPr lang="zh-CN" altLang="en-US" smtClean="0"/>
-              <a:t>2023/6/10</a:t>
+              <a:t>2023/6/12</a:t>
             </a:fld>
             <a:endParaRPr lang="zh-CN" altLang="en-US"/>
           </a:p>
@@ -8135,7 +7147,7 @@
 </file>
 
 <file path=ppt/slides/slide3.xml><?xml version="1.0" encoding="utf-8"?>
-<p:sld xmlns:a="http://schemas.openxmlformats.org/drawingml/2006/main" xmlns:r="http://schemas.openxmlformats.org/officeDocument/2006/relationships" xmlns:p="http://schemas.openxmlformats.org/presentationml/2006/main">
+<p:sld xmlns:a="http://schemas.openxmlformats.org/drawingml/2006/main" xmlns:r="http://schemas.openxmlformats.org/officeDocument/2006/relationships" xmlns:p="http://schemas.openxmlformats.org/presentationml/2006/main" showMasterSp="0">
   <p:cSld>
     <p:spTree>
       <p:nvGrpSpPr>
@@ -8216,7 +7228,7 @@
           <a:p>
             <a:fld id="{3F7B665C-1094-4F7A-8CB6-CD0AD8F3CDE0}" type="datetime1">
               <a:rPr lang="zh-CN" altLang="en-US" smtClean="0"/>
-              <a:t>2023/6/10</a:t>
+              <a:t>2023/6/12</a:t>
             </a:fld>
             <a:endParaRPr lang="zh-CN" altLang="en-US"/>
           </a:p>
@@ -8281,129 +7293,12 @@
           </a:p>
         </p:txBody>
       </p:sp>
-    </p:spTree>
-    <p:extLst>
-      <p:ext uri="{BB962C8B-B14F-4D97-AF65-F5344CB8AC3E}">
-        <p14:creationId xmlns:p14="http://schemas.microsoft.com/office/powerpoint/2010/main" val="2344274323"/>
-      </p:ext>
-    </p:extLst>
-  </p:cSld>
-  <p:clrMapOvr>
-    <a:masterClrMapping/>
-  </p:clrMapOvr>
-</p:sld>
-</file>
-
-<file path=ppt/slides/slide4.xml><?xml version="1.0" encoding="utf-8"?>
-<p:sld xmlns:a="http://schemas.openxmlformats.org/drawingml/2006/main" xmlns:r="http://schemas.openxmlformats.org/officeDocument/2006/relationships" xmlns:p="http://schemas.openxmlformats.org/presentationml/2006/main" showMasterSp="0">
-  <p:cSld>
-    <p:spTree>
-      <p:nvGrpSpPr>
-        <p:cNvPr id="1" name=""/>
-        <p:cNvGrpSpPr/>
-        <p:nvPr/>
-      </p:nvGrpSpPr>
-      <p:grpSpPr>
-        <a:xfrm>
-          <a:off x="0" y="0"/>
-          <a:ext cx="0" cy="0"/>
-          <a:chOff x="0" y="0"/>
-          <a:chExt cx="0" cy="0"/>
-        </a:xfrm>
-      </p:grpSpPr>
-      <p:sp>
-        <p:nvSpPr>
-          <p:cNvPr id="2" name="日期占位符 1">
+      <p:graphicFrame>
+        <p:nvGraphicFramePr>
+          <p:cNvPr id="5" name="表格 4">
             <a:extLst>
               <a:ext uri="{FF2B5EF4-FFF2-40B4-BE49-F238E27FC236}">
-                <a16:creationId xmlns:a16="http://schemas.microsoft.com/office/drawing/2014/main" id="{89148376-E407-4DD9-83E8-73C30DEC141E}"/>
-              </a:ext>
-            </a:extLst>
-          </p:cNvPr>
-          <p:cNvSpPr>
-            <a:spLocks noGrp="1"/>
-          </p:cNvSpPr>
-          <p:nvPr>
-            <p:ph type="dt" sz="half" idx="10"/>
-          </p:nvPr>
-        </p:nvSpPr>
-        <p:spPr/>
-        <p:txBody>
-          <a:bodyPr/>
-          <a:lstStyle/>
-          <a:p>
-            <a:fld id="{A2D25940-FF30-4149-A9B1-02F664B59A2B}" type="datetime1">
-              <a:rPr lang="zh-CN" altLang="en-US" smtClean="0"/>
-              <a:t>2023/6/10</a:t>
-            </a:fld>
-            <a:endParaRPr lang="zh-CN" altLang="en-US"/>
-          </a:p>
-        </p:txBody>
-      </p:sp>
-      <p:sp>
-        <p:nvSpPr>
-          <p:cNvPr id="3" name="页脚占位符 2">
-            <a:extLst>
-              <a:ext uri="{FF2B5EF4-FFF2-40B4-BE49-F238E27FC236}">
-                <a16:creationId xmlns:a16="http://schemas.microsoft.com/office/drawing/2014/main" id="{7D73A219-1421-48D2-A4A4-D88D3D0DDB42}"/>
-              </a:ext>
-            </a:extLst>
-          </p:cNvPr>
-          <p:cNvSpPr>
-            <a:spLocks noGrp="1"/>
-          </p:cNvSpPr>
-          <p:nvPr>
-            <p:ph type="ftr" sz="quarter" idx="11"/>
-          </p:nvPr>
-        </p:nvSpPr>
-        <p:spPr/>
-        <p:txBody>
-          <a:bodyPr/>
-          <a:lstStyle/>
-          <a:p>
-            <a:r>
-              <a:rPr lang="en-US" altLang="zh-CN"/>
-              <a:t>Every page will display this footer</a:t>
-            </a:r>
-            <a:endParaRPr lang="zh-CN" altLang="en-US"/>
-          </a:p>
-        </p:txBody>
-      </p:sp>
-      <p:sp>
-        <p:nvSpPr>
-          <p:cNvPr id="4" name="灯片编号占位符 3">
-            <a:extLst>
-              <a:ext uri="{FF2B5EF4-FFF2-40B4-BE49-F238E27FC236}">
-                <a16:creationId xmlns:a16="http://schemas.microsoft.com/office/drawing/2014/main" id="{34D0C7F2-1A03-4875-9EB7-BF19FF634D94}"/>
-              </a:ext>
-            </a:extLst>
-          </p:cNvPr>
-          <p:cNvSpPr>
-            <a:spLocks noGrp="1"/>
-          </p:cNvSpPr>
-          <p:nvPr>
-            <p:ph type="sldNum" sz="quarter" idx="12"/>
-          </p:nvPr>
-        </p:nvSpPr>
-        <p:spPr/>
-        <p:txBody>
-          <a:bodyPr/>
-          <a:lstStyle/>
-          <a:p>
-            <a:fld id="{0830D28C-911A-49C0-ADAE-9E758095BB3B}" type="slidenum">
-              <a:rPr lang="zh-CN" altLang="en-US" smtClean="0"/>
-              <a:t>4</a:t>
-            </a:fld>
-            <a:endParaRPr lang="zh-CN" altLang="en-US"/>
-          </a:p>
-        </p:txBody>
-      </p:sp>
-      <p:graphicFrame>
-        <p:nvGraphicFramePr>
-          <p:cNvPr id="5" name="表格 5">
-            <a:extLst>
-              <a:ext uri="{FF2B5EF4-FFF2-40B4-BE49-F238E27FC236}">
-                <a16:creationId xmlns:a16="http://schemas.microsoft.com/office/drawing/2014/main" id="{84E585D9-7920-C968-EA21-0FBE1D08A344}"/>
+                <a16:creationId xmlns:a16="http://schemas.microsoft.com/office/drawing/2014/main" id="{04B04622-4CC6-419C-97B9-2129E5DC7F94}"/>
               </a:ext>
             </a:extLst>
           </p:cNvPr>
@@ -8413,14 +7308,14 @@
           <p:nvPr>
             <p:extLst>
               <p:ext uri="{D42A27DB-BD31-4B8C-83A1-F6EECF244321}">
-                <p14:modId xmlns:p14="http://schemas.microsoft.com/office/powerpoint/2010/main" val="3505278624"/>
+                <p14:modId xmlns:p14="http://schemas.microsoft.com/office/powerpoint/2010/main" val="2532600817"/>
               </p:ext>
             </p:extLst>
           </p:nvPr>
         </p:nvGraphicFramePr>
         <p:xfrm>
-          <a:off x="1805858" y="605241"/>
-          <a:ext cx="8128000" cy="1849120"/>
+          <a:off x="5045828" y="1769311"/>
+          <a:ext cx="6617998" cy="2964614"/>
         </p:xfrm>
         <a:graphic>
           <a:graphicData uri="http://schemas.openxmlformats.org/drawingml/2006/table">
@@ -8429,31 +7324,31 @@
                 <a:tableStyleId>{5C22544A-7EE6-4342-B048-85BDC9FD1C3A}</a:tableStyleId>
               </a:tblPr>
               <a:tblGrid>
-                <a:gridCol w="4064000">
+                <a:gridCol w="3308999">
                   <a:extLst>
                     <a:ext uri="{9D8B030D-6E8A-4147-A177-3AD203B41FA5}">
-                      <a16:colId xmlns:a16="http://schemas.microsoft.com/office/drawing/2014/main" val="856840350"/>
+                      <a16:colId xmlns:a16="http://schemas.microsoft.com/office/drawing/2014/main" val="1131217688"/>
                     </a:ext>
                   </a:extLst>
                 </a:gridCol>
-                <a:gridCol w="4064000">
+                <a:gridCol w="3308999">
                   <a:extLst>
                     <a:ext uri="{9D8B030D-6E8A-4147-A177-3AD203B41FA5}">
-                      <a16:colId xmlns:a16="http://schemas.microsoft.com/office/drawing/2014/main" val="1156114803"/>
+                      <a16:colId xmlns:a16="http://schemas.microsoft.com/office/drawing/2014/main" val="673799822"/>
                     </a:ext>
                   </a:extLst>
                 </a:gridCol>
               </a:tblGrid>
-              <a:tr h="0">
+              <a:tr h="586406">
                 <a:tc>
                   <a:txBody>
                     <a:bodyPr/>
                     <a:lstStyle/>
                     <a:p>
-                      <a:endParaRPr lang="zh-CN" altLang="en-US"/>
+                      <a:endParaRPr lang="zh-CN" altLang="en-US" sz="1600"/>
                     </a:p>
                   </a:txBody>
-                  <a:tcPr>
+                  <a:tcPr marL="82072" marR="82072" marT="41036" marB="41036">
                     <a:lnL w="3175" cap="flat" cmpd="sng" algn="ctr">
                       <a:solidFill>
                         <a:schemeClr val="bg1"/>
@@ -8507,10 +7402,10 @@
                     <a:bodyPr/>
                     <a:lstStyle/>
                     <a:p>
-                      <a:endParaRPr lang="zh-CN" altLang="en-US"/>
+                      <a:endParaRPr lang="zh-CN" altLang="en-US" sz="1600"/>
                     </a:p>
                   </a:txBody>
-                  <a:tcPr>
+                  <a:tcPr marL="82072" marR="82072" marT="41036" marB="41036">
                     <a:lnL w="3175" cap="flat" cmpd="sng" algn="ctr">
                       <a:noFill/>
                       <a:prstDash val="solid"/>
@@ -8561,18 +7456,18 @@
                 </a:tc>
                 <a:extLst>
                   <a:ext uri="{0D108BD9-81ED-4DB2-BD59-A6C34878D82A}">
-                    <a16:rowId xmlns:a16="http://schemas.microsoft.com/office/drawing/2014/main" val="320037131"/>
+                    <a16:rowId xmlns:a16="http://schemas.microsoft.com/office/drawing/2014/main" val="2968625540"/>
                   </a:ext>
                 </a:extLst>
               </a:tr>
-              <a:tr h="370840">
+              <a:tr h="594552">
                 <a:tc>
                   <a:txBody>
                     <a:bodyPr/>
                     <a:lstStyle/>
                     <a:p>
                       <a:pPr marL="0" algn="l" defTabSz="457200" rtl="0" eaLnBrk="1" latinLnBrk="0" hangingPunct="1"/>
-                      <a:endParaRPr lang="zh-CN" altLang="en-US" sz="1800" kern="1200" dirty="0">
+                      <a:endParaRPr lang="zh-CN" altLang="en-US" sz="1600" kern="1200" dirty="0">
                         <a:solidFill>
                           <a:schemeClr val="dk1"/>
                         </a:solidFill>
@@ -8582,7 +7477,7 @@
                       </a:endParaRPr>
                     </a:p>
                   </a:txBody>
-                  <a:tcPr>
+                  <a:tcPr marL="82072" marR="82072" marT="41036" marB="41036">
                     <a:lnL w="3175" cap="flat" cmpd="sng" algn="ctr">
                       <a:solidFill>
                         <a:schemeClr val="bg1"/>
@@ -8631,10 +7526,10 @@
                     <a:bodyPr/>
                     <a:lstStyle/>
                     <a:p>
-                      <a:endParaRPr lang="zh-CN" altLang="en-US"/>
+                      <a:endParaRPr lang="zh-CN" altLang="en-US" sz="1600"/>
                     </a:p>
                   </a:txBody>
-                  <a:tcPr>
+                  <a:tcPr marL="82072" marR="82072" marT="41036" marB="41036">
                     <a:lnL w="3175" cap="flat" cmpd="sng" algn="ctr">
                       <a:noFill/>
                       <a:prstDash val="solid"/>
@@ -8680,18 +7575,18 @@
                 </a:tc>
                 <a:extLst>
                   <a:ext uri="{0D108BD9-81ED-4DB2-BD59-A6C34878D82A}">
-                    <a16:rowId xmlns:a16="http://schemas.microsoft.com/office/drawing/2014/main" val="2146639828"/>
+                    <a16:rowId xmlns:a16="http://schemas.microsoft.com/office/drawing/2014/main" val="3801366886"/>
                   </a:ext>
                 </a:extLst>
               </a:tr>
-              <a:tr h="370840">
+              <a:tr h="594552">
                 <a:tc>
                   <a:txBody>
                     <a:bodyPr/>
                     <a:lstStyle/>
                     <a:p>
                       <a:pPr marL="0" algn="l" defTabSz="457200" rtl="0" eaLnBrk="1" latinLnBrk="0" hangingPunct="1"/>
-                      <a:endParaRPr lang="zh-CN" altLang="en-US" sz="1800" kern="1200" dirty="0">
+                      <a:endParaRPr lang="zh-CN" altLang="en-US" sz="1600" kern="1200" dirty="0">
                         <a:solidFill>
                           <a:schemeClr val="dk1"/>
                         </a:solidFill>
@@ -8701,7 +7596,7 @@
                       </a:endParaRPr>
                     </a:p>
                   </a:txBody>
-                  <a:tcPr>
+                  <a:tcPr marL="82072" marR="82072" marT="41036" marB="41036">
                     <a:lnL w="3175" cap="flat" cmpd="sng" algn="ctr">
                       <a:solidFill>
                         <a:schemeClr val="bg1"/>
@@ -8752,10 +7647,10 @@
                     <a:bodyPr/>
                     <a:lstStyle/>
                     <a:p>
-                      <a:endParaRPr lang="zh-CN" altLang="en-US"/>
+                      <a:endParaRPr lang="zh-CN" altLang="en-US" sz="1600"/>
                     </a:p>
                   </a:txBody>
-                  <a:tcPr>
+                  <a:tcPr marL="82072" marR="82072" marT="41036" marB="41036">
                     <a:lnL w="3175" cap="flat" cmpd="sng" algn="ctr">
                       <a:noFill/>
                       <a:prstDash val="solid"/>
@@ -8803,20 +7698,20 @@
                 </a:tc>
                 <a:extLst>
                   <a:ext uri="{0D108BD9-81ED-4DB2-BD59-A6C34878D82A}">
-                    <a16:rowId xmlns:a16="http://schemas.microsoft.com/office/drawing/2014/main" val="3463938306"/>
+                    <a16:rowId xmlns:a16="http://schemas.microsoft.com/office/drawing/2014/main" val="3318611945"/>
                   </a:ext>
                 </a:extLst>
               </a:tr>
-              <a:tr h="370840">
+              <a:tr h="594552">
                 <a:tc>
                   <a:txBody>
                     <a:bodyPr/>
                     <a:lstStyle/>
                     <a:p>
-                      <a:endParaRPr lang="zh-CN" altLang="en-US" dirty="0"/>
+                      <a:endParaRPr lang="zh-CN" altLang="en-US" sz="1600" dirty="0"/>
                     </a:p>
                   </a:txBody>
-                  <a:tcPr>
+                  <a:tcPr marL="82072" marR="82072" marT="41036" marB="41036">
                     <a:lnL w="3175" cap="flat" cmpd="sng" algn="ctr">
                       <a:solidFill>
                         <a:schemeClr val="bg1"/>
@@ -8865,10 +7760,10 @@
                     <a:bodyPr/>
                     <a:lstStyle/>
                     <a:p>
-                      <a:endParaRPr lang="zh-CN" altLang="en-US" dirty="0"/>
+                      <a:endParaRPr lang="zh-CN" altLang="en-US" sz="1600" dirty="0"/>
                     </a:p>
                   </a:txBody>
-                  <a:tcPr>
+                  <a:tcPr marL="82072" marR="82072" marT="41036" marB="41036">
                     <a:lnL w="3175" cap="flat" cmpd="sng" algn="ctr">
                       <a:noFill/>
                       <a:prstDash val="solid"/>
@@ -8914,20 +7809,20 @@
                 </a:tc>
                 <a:extLst>
                   <a:ext uri="{0D108BD9-81ED-4DB2-BD59-A6C34878D82A}">
-                    <a16:rowId xmlns:a16="http://schemas.microsoft.com/office/drawing/2014/main" val="3118874269"/>
+                    <a16:rowId xmlns:a16="http://schemas.microsoft.com/office/drawing/2014/main" val="172917983"/>
                   </a:ext>
                 </a:extLst>
               </a:tr>
-              <a:tr h="370840">
+              <a:tr h="594552">
                 <a:tc>
                   <a:txBody>
                     <a:bodyPr/>
                     <a:lstStyle/>
                     <a:p>
-                      <a:endParaRPr lang="zh-CN" altLang="en-US" dirty="0"/>
+                      <a:endParaRPr lang="zh-CN" altLang="en-US" sz="1600" dirty="0"/>
                     </a:p>
                   </a:txBody>
-                  <a:tcPr>
+                  <a:tcPr marL="82072" marR="82072" marT="41036" marB="41036">
                     <a:lnL w="3175" cap="flat" cmpd="sng" algn="ctr">
                       <a:solidFill>
                         <a:schemeClr val="bg1"/>
@@ -8980,10 +7875,10 @@
                     <a:bodyPr/>
                     <a:lstStyle/>
                     <a:p>
-                      <a:endParaRPr lang="zh-CN" altLang="en-US" dirty="0"/>
+                      <a:endParaRPr lang="zh-CN" altLang="en-US" sz="1600" dirty="0"/>
                     </a:p>
                   </a:txBody>
-                  <a:tcPr>
+                  <a:tcPr marL="82072" marR="82072" marT="41036" marB="41036">
                     <a:lnL w="3175" cap="flat" cmpd="sng" algn="ctr">
                       <a:noFill/>
                       <a:prstDash val="solid"/>
@@ -9033,7 +7928,7 @@
                 </a:tc>
                 <a:extLst>
                   <a:ext uri="{0D108BD9-81ED-4DB2-BD59-A6C34878D82A}">
-                    <a16:rowId xmlns:a16="http://schemas.microsoft.com/office/drawing/2014/main" val="418188909"/>
+                    <a16:rowId xmlns:a16="http://schemas.microsoft.com/office/drawing/2014/main" val="2898378426"/>
                   </a:ext>
                 </a:extLst>
               </a:tr>
@@ -9041,6 +7936,131 @@
           </a:graphicData>
         </a:graphic>
       </p:graphicFrame>
+    </p:spTree>
+    <p:extLst>
+      <p:ext uri="{BB962C8B-B14F-4D97-AF65-F5344CB8AC3E}">
+        <p14:creationId xmlns:p14="http://schemas.microsoft.com/office/powerpoint/2010/main" val="2344274323"/>
+      </p:ext>
+    </p:extLst>
+  </p:cSld>
+  <p:clrMapOvr>
+    <a:masterClrMapping/>
+  </p:clrMapOvr>
+</p:sld>
+</file>
+
+<file path=ppt/slides/slide4.xml><?xml version="1.0" encoding="utf-8"?>
+<p:sld xmlns:a="http://schemas.openxmlformats.org/drawingml/2006/main" xmlns:r="http://schemas.openxmlformats.org/officeDocument/2006/relationships" xmlns:p="http://schemas.openxmlformats.org/presentationml/2006/main" showMasterSp="0">
+  <p:cSld>
+    <p:bg>
+      <p:bgPr>
+        <a:solidFill>
+          <a:schemeClr val="tx1"/>
+        </a:solidFill>
+        <a:effectLst/>
+      </p:bgPr>
+    </p:bg>
+    <p:spTree>
+      <p:nvGrpSpPr>
+        <p:cNvPr id="1" name=""/>
+        <p:cNvGrpSpPr/>
+        <p:nvPr/>
+      </p:nvGrpSpPr>
+      <p:grpSpPr>
+        <a:xfrm>
+          <a:off x="0" y="0"/>
+          <a:ext cx="0" cy="0"/>
+          <a:chOff x="0" y="0"/>
+          <a:chExt cx="0" cy="0"/>
+        </a:xfrm>
+      </p:grpSpPr>
+      <p:sp>
+        <p:nvSpPr>
+          <p:cNvPr id="2" name="日期占位符 1" hidden="1">
+            <a:extLst>
+              <a:ext uri="{FF2B5EF4-FFF2-40B4-BE49-F238E27FC236}">
+                <a16:creationId xmlns:a16="http://schemas.microsoft.com/office/drawing/2014/main" id="{89148376-E407-4DD9-83E8-73C30DEC141E}"/>
+              </a:ext>
+            </a:extLst>
+          </p:cNvPr>
+          <p:cNvSpPr>
+            <a:spLocks noGrp="1"/>
+          </p:cNvSpPr>
+          <p:nvPr>
+            <p:ph type="dt" sz="half" idx="10"/>
+          </p:nvPr>
+        </p:nvSpPr>
+        <p:spPr/>
+        <p:txBody>
+          <a:bodyPr/>
+          <a:lstStyle/>
+          <a:p>
+            <a:fld id="{A2D25940-FF30-4149-A9B1-02F664B59A2B}" type="datetime1">
+              <a:rPr lang="zh-CN" altLang="en-US" smtClean="0"/>
+              <a:t>2023/6/12</a:t>
+            </a:fld>
+            <a:endParaRPr lang="zh-CN" altLang="en-US"/>
+          </a:p>
+        </p:txBody>
+      </p:sp>
+      <p:sp>
+        <p:nvSpPr>
+          <p:cNvPr id="3" name="页脚占位符 2" hidden="1">
+            <a:extLst>
+              <a:ext uri="{FF2B5EF4-FFF2-40B4-BE49-F238E27FC236}">
+                <a16:creationId xmlns:a16="http://schemas.microsoft.com/office/drawing/2014/main" id="{7D73A219-1421-48D2-A4A4-D88D3D0DDB42}"/>
+              </a:ext>
+            </a:extLst>
+          </p:cNvPr>
+          <p:cNvSpPr>
+            <a:spLocks noGrp="1"/>
+          </p:cNvSpPr>
+          <p:nvPr>
+            <p:ph type="ftr" sz="quarter" idx="11"/>
+          </p:nvPr>
+        </p:nvSpPr>
+        <p:spPr/>
+        <p:txBody>
+          <a:bodyPr/>
+          <a:lstStyle/>
+          <a:p>
+            <a:r>
+              <a:rPr lang="en-US" altLang="zh-CN"/>
+              <a:t>Every page will display this footer</a:t>
+            </a:r>
+            <a:endParaRPr lang="zh-CN" altLang="en-US"/>
+          </a:p>
+        </p:txBody>
+      </p:sp>
+      <p:sp>
+        <p:nvSpPr>
+          <p:cNvPr id="4" name="灯片编号占位符 3" hidden="1">
+            <a:extLst>
+              <a:ext uri="{FF2B5EF4-FFF2-40B4-BE49-F238E27FC236}">
+                <a16:creationId xmlns:a16="http://schemas.microsoft.com/office/drawing/2014/main" id="{34D0C7F2-1A03-4875-9EB7-BF19FF634D94}"/>
+              </a:ext>
+            </a:extLst>
+          </p:cNvPr>
+          <p:cNvSpPr>
+            <a:spLocks noGrp="1"/>
+          </p:cNvSpPr>
+          <p:nvPr>
+            <p:ph type="sldNum" sz="quarter" idx="12"/>
+          </p:nvPr>
+        </p:nvSpPr>
+        <p:spPr/>
+        <p:txBody>
+          <a:bodyPr/>
+          <a:lstStyle/>
+          <a:p>
+            <a:fld id="{0830D28C-911A-49C0-ADAE-9E758095BB3B}" type="slidenum">
+              <a:rPr lang="zh-CN" altLang="en-US" smtClean="0"/>
+              <a:t>4</a:t>
+            </a:fld>
+            <a:endParaRPr lang="zh-CN" altLang="en-US"/>
+          </a:p>
+        </p:txBody>
+      </p:sp>
       <p:sp>
         <p:nvSpPr>
           <p:cNvPr id="6" name="文本框 5">
@@ -9055,8 +8075,8 @@
         </p:nvSpPr>
         <p:spPr>
           <a:xfrm>
-            <a:off x="138129" y="112186"/>
-            <a:ext cx="1427088" cy="400110"/>
+            <a:off x="334963" y="69919"/>
+            <a:ext cx="1230254" cy="400110"/>
           </a:xfrm>
           <a:prstGeom prst="rect">
             <a:avLst/>
@@ -9101,13 +8121,15 @@
               </a:ext>
             </a:extLst>
           </p:cNvPr>
-          <p:cNvCxnSpPr/>
+          <p:cNvCxnSpPr>
+            <a:cxnSpLocks/>
+          </p:cNvCxnSpPr>
           <p:nvPr/>
         </p:nvCxnSpPr>
         <p:spPr>
           <a:xfrm>
-            <a:off x="250370" y="512296"/>
-            <a:ext cx="11691257" cy="0"/>
+            <a:off x="444853" y="538817"/>
+            <a:ext cx="11302293" cy="0"/>
           </a:xfrm>
           <a:prstGeom prst="line">
             <a:avLst/>
@@ -9134,38 +8156,335 @@
           </a:fontRef>
         </p:style>
       </p:cxnSp>
-      <p:graphicFrame>
-        <p:nvGraphicFramePr>
-          <p:cNvPr id="9" name="图表 8">
-            <a:extLst>
-              <a:ext uri="{FF2B5EF4-FFF2-40B4-BE49-F238E27FC236}">
-                <a16:creationId xmlns:a16="http://schemas.microsoft.com/office/drawing/2014/main" id="{29CEE43A-06C0-CDA6-FE2D-05DD7805045F}"/>
-              </a:ext>
-            </a:extLst>
-          </p:cNvPr>
-          <p:cNvGraphicFramePr/>
-          <p:nvPr>
-            <p:extLst>
-              <p:ext uri="{D42A27DB-BD31-4B8C-83A1-F6EECF244321}">
-                <p14:modId xmlns:p14="http://schemas.microsoft.com/office/powerpoint/2010/main" val="2645708306"/>
-              </p:ext>
-            </p:extLst>
-          </p:nvPr>
-        </p:nvGraphicFramePr>
-        <p:xfrm>
-          <a:off x="1805858" y="2740382"/>
-          <a:ext cx="8128000" cy="3640308"/>
-        </p:xfrm>
-        <a:graphic>
-          <a:graphicData uri="http://schemas.openxmlformats.org/drawingml/2006/chart">
-            <c:chart xmlns:c="http://schemas.openxmlformats.org/drawingml/2006/chart" xmlns:r="http://schemas.openxmlformats.org/officeDocument/2006/relationships" r:id="rId3"/>
-          </a:graphicData>
-        </a:graphic>
-      </p:graphicFrame>
     </p:spTree>
     <p:extLst>
       <p:ext uri="{BB962C8B-B14F-4D97-AF65-F5344CB8AC3E}">
         <p14:creationId xmlns:p14="http://schemas.microsoft.com/office/powerpoint/2010/main" val="2904191674"/>
+      </p:ext>
+    </p:extLst>
+  </p:cSld>
+  <p:clrMapOvr>
+    <a:masterClrMapping/>
+  </p:clrMapOvr>
+</p:sld>
+</file>
+
+<file path=ppt/slides/slide5.xml><?xml version="1.0" encoding="utf-8"?>
+<p:sld xmlns:a="http://schemas.openxmlformats.org/drawingml/2006/main" xmlns:r="http://schemas.openxmlformats.org/officeDocument/2006/relationships" xmlns:p="http://schemas.openxmlformats.org/presentationml/2006/main" showMasterSp="0">
+  <p:cSld>
+    <p:bg>
+      <p:bgPr>
+        <a:solidFill>
+          <a:schemeClr val="tx1"/>
+        </a:solidFill>
+        <a:effectLst/>
+      </p:bgPr>
+    </p:bg>
+    <p:spTree>
+      <p:nvGrpSpPr>
+        <p:cNvPr id="1" name=""/>
+        <p:cNvGrpSpPr/>
+        <p:nvPr/>
+      </p:nvGrpSpPr>
+      <p:grpSpPr>
+        <a:xfrm>
+          <a:off x="0" y="0"/>
+          <a:ext cx="0" cy="0"/>
+          <a:chOff x="0" y="0"/>
+          <a:chExt cx="0" cy="0"/>
+        </a:xfrm>
+      </p:grpSpPr>
+      <p:sp>
+        <p:nvSpPr>
+          <p:cNvPr id="2" name="日期占位符 1" hidden="1">
+            <a:extLst>
+              <a:ext uri="{FF2B5EF4-FFF2-40B4-BE49-F238E27FC236}">
+                <a16:creationId xmlns:a16="http://schemas.microsoft.com/office/drawing/2014/main" id="{B4C9E786-8E0F-4773-B004-444FF1787606}"/>
+              </a:ext>
+            </a:extLst>
+          </p:cNvPr>
+          <p:cNvSpPr>
+            <a:spLocks noGrp="1"/>
+          </p:cNvSpPr>
+          <p:nvPr>
+            <p:ph type="dt" sz="half" idx="10"/>
+          </p:nvPr>
+        </p:nvSpPr>
+        <p:spPr>
+          <a:xfrm>
+            <a:off x="10394684" y="6352093"/>
+            <a:ext cx="1600200" cy="365125"/>
+          </a:xfrm>
+        </p:spPr>
+        <p:txBody>
+          <a:bodyPr/>
+          <a:lstStyle/>
+          <a:p>
+            <a:fld id="{A2D25940-FF30-4149-A9B1-02F664B59A2B}" type="datetime1">
+              <a:rPr lang="zh-CN" altLang="en-US" smtClean="0"/>
+              <a:t>2023/6/12</a:t>
+            </a:fld>
+            <a:endParaRPr lang="zh-CN" altLang="en-US"/>
+          </a:p>
+        </p:txBody>
+      </p:sp>
+      <p:sp>
+        <p:nvSpPr>
+          <p:cNvPr id="3" name="页脚占位符 2" hidden="1">
+            <a:extLst>
+              <a:ext uri="{FF2B5EF4-FFF2-40B4-BE49-F238E27FC236}">
+                <a16:creationId xmlns:a16="http://schemas.microsoft.com/office/drawing/2014/main" id="{F6530D9B-328D-4425-8009-C4FF01BD2DAE}"/>
+              </a:ext>
+            </a:extLst>
+          </p:cNvPr>
+          <p:cNvSpPr>
+            <a:spLocks noGrp="1"/>
+          </p:cNvSpPr>
+          <p:nvPr>
+            <p:ph type="ftr" sz="quarter" idx="11"/>
+          </p:nvPr>
+        </p:nvSpPr>
+        <p:spPr/>
+        <p:txBody>
+          <a:bodyPr/>
+          <a:lstStyle/>
+          <a:p>
+            <a:r>
+              <a:rPr lang="en-US" altLang="zh-CN"/>
+              <a:t>Every page will display this footer</a:t>
+            </a:r>
+            <a:endParaRPr lang="zh-CN" altLang="en-US"/>
+          </a:p>
+        </p:txBody>
+      </p:sp>
+      <p:sp>
+        <p:nvSpPr>
+          <p:cNvPr id="4" name="灯片编号占位符 3" hidden="1">
+            <a:extLst>
+              <a:ext uri="{FF2B5EF4-FFF2-40B4-BE49-F238E27FC236}">
+                <a16:creationId xmlns:a16="http://schemas.microsoft.com/office/drawing/2014/main" id="{2BB53609-8682-4957-AD62-39DF7AEFBDB8}"/>
+              </a:ext>
+            </a:extLst>
+          </p:cNvPr>
+          <p:cNvSpPr>
+            <a:spLocks noGrp="1"/>
+          </p:cNvSpPr>
+          <p:nvPr>
+            <p:ph type="sldNum" sz="quarter" idx="12"/>
+          </p:nvPr>
+        </p:nvSpPr>
+        <p:spPr/>
+        <p:txBody>
+          <a:bodyPr/>
+          <a:lstStyle/>
+          <a:p>
+            <a:fld id="{0830D28C-911A-49C0-ADAE-9E758095BB3B}" type="slidenum">
+              <a:rPr lang="zh-CN" altLang="en-US" smtClean="0"/>
+              <a:t>5</a:t>
+            </a:fld>
+            <a:endParaRPr lang="zh-CN" altLang="en-US"/>
+          </a:p>
+        </p:txBody>
+      </p:sp>
+      <p:sp>
+        <p:nvSpPr>
+          <p:cNvPr id="6" name="椭圆 5">
+            <a:extLst>
+              <a:ext uri="{FF2B5EF4-FFF2-40B4-BE49-F238E27FC236}">
+                <a16:creationId xmlns:a16="http://schemas.microsoft.com/office/drawing/2014/main" id="{03E6595F-E2AF-4834-B78A-406A93DA6FBE}"/>
+              </a:ext>
+            </a:extLst>
+          </p:cNvPr>
+          <p:cNvSpPr/>
+          <p:nvPr/>
+        </p:nvSpPr>
+        <p:spPr>
+          <a:xfrm>
+            <a:off x="3345543" y="678542"/>
+            <a:ext cx="5500915" cy="5500915"/>
+          </a:xfrm>
+          <a:prstGeom prst="ellipse">
+            <a:avLst/>
+          </a:prstGeom>
+          <a:gradFill>
+            <a:gsLst>
+              <a:gs pos="0">
+                <a:srgbClr val="FDF16A"/>
+              </a:gs>
+              <a:gs pos="52000">
+                <a:srgbClr val="F9D375"/>
+              </a:gs>
+              <a:gs pos="100000">
+                <a:srgbClr val="FDB16A"/>
+              </a:gs>
+            </a:gsLst>
+            <a:lin ang="6120000" scaled="1"/>
+          </a:gradFill>
+          <a:ln>
+            <a:noFill/>
+          </a:ln>
+        </p:spPr>
+        <p:style>
+          <a:lnRef idx="2">
+            <a:schemeClr val="accent1">
+              <a:shade val="50000"/>
+            </a:schemeClr>
+          </a:lnRef>
+          <a:fillRef idx="1">
+            <a:schemeClr val="accent1"/>
+          </a:fillRef>
+          <a:effectRef idx="0">
+            <a:schemeClr val="accent1"/>
+          </a:effectRef>
+          <a:fontRef idx="minor">
+            <a:schemeClr val="lt1"/>
+          </a:fontRef>
+        </p:style>
+        <p:txBody>
+          <a:bodyPr rtlCol="0" anchor="ctr"/>
+          <a:lstStyle/>
+          <a:p>
+            <a:pPr algn="ctr"/>
+            <a:r>
+              <a:rPr lang="zh-CN" altLang="en-US" sz="2400">
+                <a:solidFill>
+                  <a:schemeClr val="bg1"/>
+                </a:solidFill>
+              </a:rPr>
+              <a:t>一个渐变的圆</a:t>
+            </a:r>
+          </a:p>
+        </p:txBody>
+      </p:sp>
+    </p:spTree>
+    <p:extLst>
+      <p:ext uri="{BB962C8B-B14F-4D97-AF65-F5344CB8AC3E}">
+        <p14:creationId xmlns:p14="http://schemas.microsoft.com/office/powerpoint/2010/main" val="2110270617"/>
+      </p:ext>
+    </p:extLst>
+  </p:cSld>
+  <p:clrMapOvr>
+    <a:masterClrMapping/>
+  </p:clrMapOvr>
+</p:sld>
+</file>
+
+<file path=ppt/slides/slide6.xml><?xml version="1.0" encoding="utf-8"?>
+<p:sld xmlns:a="http://schemas.openxmlformats.org/drawingml/2006/main" xmlns:r="http://schemas.openxmlformats.org/officeDocument/2006/relationships" xmlns:p="http://schemas.openxmlformats.org/presentationml/2006/main" showMasterSp="0">
+  <p:cSld>
+    <p:bg>
+      <p:bgPr>
+        <a:solidFill>
+          <a:schemeClr val="tx1"/>
+        </a:solidFill>
+        <a:effectLst/>
+      </p:bgPr>
+    </p:bg>
+    <p:spTree>
+      <p:nvGrpSpPr>
+        <p:cNvPr id="1" name=""/>
+        <p:cNvGrpSpPr/>
+        <p:nvPr/>
+      </p:nvGrpSpPr>
+      <p:grpSpPr>
+        <a:xfrm>
+          <a:off x="0" y="0"/>
+          <a:ext cx="0" cy="0"/>
+          <a:chOff x="0" y="0"/>
+          <a:chExt cx="0" cy="0"/>
+        </a:xfrm>
+      </p:grpSpPr>
+      <p:sp>
+        <p:nvSpPr>
+          <p:cNvPr id="2" name="日期占位符 1" hidden="1">
+            <a:extLst>
+              <a:ext uri="{FF2B5EF4-FFF2-40B4-BE49-F238E27FC236}">
+                <a16:creationId xmlns:a16="http://schemas.microsoft.com/office/drawing/2014/main" id="{0E0EB23F-D522-4392-A24A-0F00705CDA85}"/>
+              </a:ext>
+            </a:extLst>
+          </p:cNvPr>
+          <p:cNvSpPr>
+            <a:spLocks noGrp="1"/>
+          </p:cNvSpPr>
+          <p:nvPr>
+            <p:ph type="dt" sz="half" idx="10"/>
+          </p:nvPr>
+        </p:nvSpPr>
+        <p:spPr/>
+        <p:txBody>
+          <a:bodyPr/>
+          <a:lstStyle/>
+          <a:p>
+            <a:fld id="{A2D25940-FF30-4149-A9B1-02F664B59A2B}" type="datetime1">
+              <a:rPr lang="zh-CN" altLang="en-US" smtClean="0"/>
+              <a:t>2023/6/12</a:t>
+            </a:fld>
+            <a:endParaRPr lang="zh-CN" altLang="en-US"/>
+          </a:p>
+        </p:txBody>
+      </p:sp>
+      <p:sp>
+        <p:nvSpPr>
+          <p:cNvPr id="3" name="页脚占位符 2" hidden="1">
+            <a:extLst>
+              <a:ext uri="{FF2B5EF4-FFF2-40B4-BE49-F238E27FC236}">
+                <a16:creationId xmlns:a16="http://schemas.microsoft.com/office/drawing/2014/main" id="{146FF00D-EBC5-41BB-8250-9DB4FBD135C0}"/>
+              </a:ext>
+            </a:extLst>
+          </p:cNvPr>
+          <p:cNvSpPr>
+            <a:spLocks noGrp="1"/>
+          </p:cNvSpPr>
+          <p:nvPr>
+            <p:ph type="ftr" sz="quarter" idx="11"/>
+          </p:nvPr>
+        </p:nvSpPr>
+        <p:spPr/>
+        <p:txBody>
+          <a:bodyPr/>
+          <a:lstStyle/>
+          <a:p>
+            <a:r>
+              <a:rPr lang="en-US" altLang="zh-CN"/>
+              <a:t>Every page will display this footer</a:t>
+            </a:r>
+            <a:endParaRPr lang="zh-CN" altLang="en-US"/>
+          </a:p>
+        </p:txBody>
+      </p:sp>
+      <p:sp>
+        <p:nvSpPr>
+          <p:cNvPr id="4" name="灯片编号占位符 3" hidden="1">
+            <a:extLst>
+              <a:ext uri="{FF2B5EF4-FFF2-40B4-BE49-F238E27FC236}">
+                <a16:creationId xmlns:a16="http://schemas.microsoft.com/office/drawing/2014/main" id="{97DD1AA7-DCF6-4005-8EA8-AB554179C321}"/>
+              </a:ext>
+            </a:extLst>
+          </p:cNvPr>
+          <p:cNvSpPr>
+            <a:spLocks noGrp="1"/>
+          </p:cNvSpPr>
+          <p:nvPr>
+            <p:ph type="sldNum" sz="quarter" idx="12"/>
+          </p:nvPr>
+        </p:nvSpPr>
+        <p:spPr/>
+        <p:txBody>
+          <a:bodyPr/>
+          <a:lstStyle/>
+          <a:p>
+            <a:fld id="{0830D28C-911A-49C0-ADAE-9E758095BB3B}" type="slidenum">
+              <a:rPr lang="zh-CN" altLang="en-US" smtClean="0"/>
+              <a:t>6</a:t>
+            </a:fld>
+            <a:endParaRPr lang="zh-CN" altLang="en-US"/>
+          </a:p>
+        </p:txBody>
+      </p:sp>
+    </p:spTree>
+    <p:extLst>
+      <p:ext uri="{BB962C8B-B14F-4D97-AF65-F5344CB8AC3E}">
+        <p14:creationId xmlns:p14="http://schemas.microsoft.com/office/powerpoint/2010/main" val="2024668379"/>
       </p:ext>
     </p:extLst>
   </p:cSld>
@@ -9379,7 +8698,52 @@
       </a:bgFillStyleLst>
     </a:fmtScheme>
   </a:themeElements>
-  <a:objectDefaults/>
+  <a:objectDefaults>
+    <a:spDef>
+      <a:spPr>
+        <a:gradFill>
+          <a:gsLst>
+            <a:gs pos="0">
+              <a:srgbClr val="FDF16A"/>
+            </a:gs>
+            <a:gs pos="52000">
+              <a:srgbClr val="F9D375"/>
+            </a:gs>
+            <a:gs pos="100000">
+              <a:srgbClr val="FDB16A"/>
+            </a:gs>
+          </a:gsLst>
+          <a:lin ang="6120000" scaled="1"/>
+        </a:gradFill>
+      </a:spPr>
+      <a:bodyPr rtlCol="0" anchor="ctr"/>
+      <a:lstStyle>
+        <a:defPPr algn="ctr">
+          <a:defRPr sz="2400">
+            <a:solidFill>
+              <a:schemeClr val="bg1"/>
+            </a:solidFill>
+          </a:defRPr>
+        </a:defPPr>
+      </a:lstStyle>
+      <a:style>
+        <a:lnRef idx="2">
+          <a:schemeClr val="accent1">
+            <a:shade val="50000"/>
+          </a:schemeClr>
+        </a:lnRef>
+        <a:fillRef idx="1">
+          <a:schemeClr val="accent1"/>
+        </a:fillRef>
+        <a:effectRef idx="0">
+          <a:schemeClr val="accent1"/>
+        </a:effectRef>
+        <a:fontRef idx="minor">
+          <a:schemeClr val="lt1"/>
+        </a:fontRef>
+      </a:style>
+    </a:spDef>
+  </a:objectDefaults>
   <a:extraClrSchemeLst/>
   <a:extLst>
     <a:ext uri="{05A4C25C-085E-4340-85A3-A5531E510DB2}">

--- a/Office办公套件/PowerPoint/PPT制作教程-bilibili/演示文稿1.pptx
+++ b/Office办公套件/PowerPoint/PPT制作教程-bilibili/演示文稿1.pptx
@@ -8156,6 +8156,293 @@
           </a:fontRef>
         </p:style>
       </p:cxnSp>
+      <p:graphicFrame>
+        <p:nvGraphicFramePr>
+          <p:cNvPr id="5" name="表格 6">
+            <a:extLst>
+              <a:ext uri="{FF2B5EF4-FFF2-40B4-BE49-F238E27FC236}">
+                <a16:creationId xmlns:a16="http://schemas.microsoft.com/office/drawing/2014/main" id="{4D3D8509-89EB-CEE8-EBF2-E185A8591223}"/>
+              </a:ext>
+            </a:extLst>
+          </p:cNvPr>
+          <p:cNvGraphicFramePr>
+            <a:graphicFrameLocks noGrp="1"/>
+          </p:cNvGraphicFramePr>
+          <p:nvPr>
+            <p:extLst>
+              <p:ext uri="{D42A27DB-BD31-4B8C-83A1-F6EECF244321}">
+                <p14:modId xmlns:p14="http://schemas.microsoft.com/office/powerpoint/2010/main" val="1846474474"/>
+              </p:ext>
+            </p:extLst>
+          </p:nvPr>
+        </p:nvGraphicFramePr>
+        <p:xfrm>
+          <a:off x="2032000" y="719663"/>
+          <a:ext cx="7308645" cy="5130532"/>
+        </p:xfrm>
+        <a:graphic>
+          <a:graphicData uri="http://schemas.openxmlformats.org/drawingml/2006/table">
+            <a:tbl>
+              <a:tblPr firstRow="1" bandRow="1">
+                <a:tableStyleId>{5C22544A-7EE6-4342-B048-85BDC9FD1C3A}</a:tableStyleId>
+              </a:tblPr>
+              <a:tblGrid>
+                <a:gridCol w="2436215">
+                  <a:extLst>
+                    <a:ext uri="{9D8B030D-6E8A-4147-A177-3AD203B41FA5}">
+                      <a16:colId xmlns:a16="http://schemas.microsoft.com/office/drawing/2014/main" val="2981463407"/>
+                    </a:ext>
+                  </a:extLst>
+                </a:gridCol>
+                <a:gridCol w="2436215">
+                  <a:extLst>
+                    <a:ext uri="{9D8B030D-6E8A-4147-A177-3AD203B41FA5}">
+                      <a16:colId xmlns:a16="http://schemas.microsoft.com/office/drawing/2014/main" val="457152581"/>
+                    </a:ext>
+                  </a:extLst>
+                </a:gridCol>
+                <a:gridCol w="2436215">
+                  <a:extLst>
+                    <a:ext uri="{9D8B030D-6E8A-4147-A177-3AD203B41FA5}">
+                      <a16:colId xmlns:a16="http://schemas.microsoft.com/office/drawing/2014/main" val="3738323728"/>
+                    </a:ext>
+                  </a:extLst>
+                </a:gridCol>
+              </a:tblGrid>
+              <a:tr h="2565266">
+                <a:tc>
+                  <a:txBody>
+                    <a:bodyPr/>
+                    <a:lstStyle/>
+                    <a:p>
+                      <a:endParaRPr lang="zh-CN" altLang="en-US"/>
+                    </a:p>
+                  </a:txBody>
+                  <a:tcPr>
+                    <a:lnL w="12700" cmpd="sng">
+                      <a:noFill/>
+                    </a:lnL>
+                    <a:lnR w="12700" cmpd="sng">
+                      <a:noFill/>
+                    </a:lnR>
+                    <a:lnT w="12700" cmpd="sng">
+                      <a:noFill/>
+                    </a:lnT>
+                    <a:lnB w="38100" cmpd="sng">
+                      <a:noFill/>
+                    </a:lnB>
+                    <a:lnTlToBr w="12700" cmpd="sng">
+                      <a:noFill/>
+                      <a:prstDash val="solid"/>
+                    </a:lnTlToBr>
+                    <a:lnBlToTr w="12700" cmpd="sng">
+                      <a:noFill/>
+                      <a:prstDash val="solid"/>
+                    </a:lnBlToTr>
+                    <a:blipFill dpi="0" rotWithShape="1">
+                      <a:blip r:embed="rId3"/>
+                      <a:srcRect/>
+                      <a:tile tx="0" ty="0" sx="100000" sy="100000" flip="none" algn="tl"/>
+                    </a:blipFill>
+                  </a:tcPr>
+                </a:tc>
+                <a:tc>
+                  <a:txBody>
+                    <a:bodyPr/>
+                    <a:lstStyle/>
+                    <a:p>
+                      <a:endParaRPr lang="zh-CN" altLang="en-US"/>
+                    </a:p>
+                  </a:txBody>
+                  <a:tcPr>
+                    <a:lnL w="12700" cmpd="sng">
+                      <a:noFill/>
+                    </a:lnL>
+                    <a:lnR w="12700" cmpd="sng">
+                      <a:noFill/>
+                    </a:lnR>
+                    <a:lnT w="12700" cmpd="sng">
+                      <a:noFill/>
+                    </a:lnT>
+                    <a:lnB w="38100" cmpd="sng">
+                      <a:noFill/>
+                    </a:lnB>
+                    <a:lnTlToBr w="12700" cmpd="sng">
+                      <a:noFill/>
+                      <a:prstDash val="solid"/>
+                    </a:lnTlToBr>
+                    <a:lnBlToTr w="12700" cmpd="sng">
+                      <a:noFill/>
+                      <a:prstDash val="solid"/>
+                    </a:lnBlToTr>
+                    <a:blipFill dpi="0" rotWithShape="1">
+                      <a:blip r:embed="rId3"/>
+                      <a:srcRect/>
+                      <a:tile tx="0" ty="0" sx="100000" sy="100000" flip="none" algn="tl"/>
+                    </a:blipFill>
+                  </a:tcPr>
+                </a:tc>
+                <a:tc>
+                  <a:txBody>
+                    <a:bodyPr/>
+                    <a:lstStyle/>
+                    <a:p>
+                      <a:endParaRPr lang="zh-CN" altLang="en-US"/>
+                    </a:p>
+                  </a:txBody>
+                  <a:tcPr>
+                    <a:lnL w="12700" cmpd="sng">
+                      <a:noFill/>
+                    </a:lnL>
+                    <a:lnR w="12700" cmpd="sng">
+                      <a:noFill/>
+                    </a:lnR>
+                    <a:lnT w="12700" cmpd="sng">
+                      <a:noFill/>
+                    </a:lnT>
+                    <a:lnB w="38100" cmpd="sng">
+                      <a:noFill/>
+                    </a:lnB>
+                    <a:lnTlToBr w="12700" cmpd="sng">
+                      <a:noFill/>
+                      <a:prstDash val="solid"/>
+                    </a:lnTlToBr>
+                    <a:lnBlToTr w="12700" cmpd="sng">
+                      <a:noFill/>
+                      <a:prstDash val="solid"/>
+                    </a:lnBlToTr>
+                    <a:blipFill dpi="0" rotWithShape="1">
+                      <a:blip r:embed="rId3"/>
+                      <a:srcRect/>
+                      <a:tile tx="0" ty="0" sx="100000" sy="100000" flip="none" algn="tl"/>
+                    </a:blipFill>
+                  </a:tcPr>
+                </a:tc>
+                <a:extLst>
+                  <a:ext uri="{0D108BD9-81ED-4DB2-BD59-A6C34878D82A}">
+                    <a16:rowId xmlns:a16="http://schemas.microsoft.com/office/drawing/2014/main" val="3971054129"/>
+                  </a:ext>
+                </a:extLst>
+              </a:tr>
+              <a:tr h="2565266">
+                <a:tc>
+                  <a:txBody>
+                    <a:bodyPr/>
+                    <a:lstStyle/>
+                    <a:p>
+                      <a:endParaRPr lang="zh-CN" altLang="en-US"/>
+                    </a:p>
+                  </a:txBody>
+                  <a:tcPr>
+                    <a:lnL w="12700" cmpd="sng">
+                      <a:noFill/>
+                    </a:lnL>
+                    <a:lnR w="12700" cmpd="sng">
+                      <a:noFill/>
+                    </a:lnR>
+                    <a:lnT w="38100" cmpd="sng">
+                      <a:noFill/>
+                    </a:lnT>
+                    <a:lnB w="12700" cmpd="sng">
+                      <a:noFill/>
+                    </a:lnB>
+                    <a:lnTlToBr w="12700" cmpd="sng">
+                      <a:noFill/>
+                      <a:prstDash val="solid"/>
+                    </a:lnTlToBr>
+                    <a:lnBlToTr w="12700" cmpd="sng">
+                      <a:noFill/>
+                      <a:prstDash val="solid"/>
+                    </a:lnBlToTr>
+                    <a:blipFill dpi="0" rotWithShape="1">
+                      <a:blip r:embed="rId3"/>
+                      <a:srcRect/>
+                      <a:tile tx="0" ty="0" sx="100000" sy="100000" flip="none" algn="tl"/>
+                    </a:blipFill>
+                  </a:tcPr>
+                </a:tc>
+                <a:tc>
+                  <a:txBody>
+                    <a:bodyPr/>
+                    <a:lstStyle/>
+                    <a:p>
+                      <a:endParaRPr lang="zh-CN" altLang="en-US"/>
+                    </a:p>
+                  </a:txBody>
+                  <a:tcPr>
+                    <a:lnL w="12700" cmpd="sng">
+                      <a:noFill/>
+                    </a:lnL>
+                    <a:lnR w="12700" cmpd="sng">
+                      <a:noFill/>
+                    </a:lnR>
+                    <a:lnT w="38100" cmpd="sng">
+                      <a:noFill/>
+                    </a:lnT>
+                    <a:lnB w="12700" cmpd="sng">
+                      <a:noFill/>
+                    </a:lnB>
+                    <a:lnTlToBr w="12700" cmpd="sng">
+                      <a:noFill/>
+                      <a:prstDash val="solid"/>
+                    </a:lnTlToBr>
+                    <a:lnBlToTr w="12700" cmpd="sng">
+                      <a:noFill/>
+                      <a:prstDash val="solid"/>
+                    </a:lnBlToTr>
+                    <a:blipFill dpi="0" rotWithShape="1">
+                      <a:blip r:embed="rId3"/>
+                      <a:srcRect/>
+                      <a:tile tx="0" ty="0" sx="100000" sy="100000" flip="none" algn="tl"/>
+                    </a:blipFill>
+                  </a:tcPr>
+                </a:tc>
+                <a:tc>
+                  <a:txBody>
+                    <a:bodyPr/>
+                    <a:lstStyle/>
+                    <a:p>
+                      <a:endParaRPr lang="zh-CN" altLang="en-US"/>
+                    </a:p>
+                  </a:txBody>
+                  <a:tcPr>
+                    <a:lnL w="12700" cmpd="sng">
+                      <a:noFill/>
+                    </a:lnL>
+                    <a:lnR w="12700" cmpd="sng">
+                      <a:noFill/>
+                    </a:lnR>
+                    <a:lnT w="38100" cmpd="sng">
+                      <a:noFill/>
+                    </a:lnT>
+                    <a:lnB w="12700" cmpd="sng">
+                      <a:noFill/>
+                    </a:lnB>
+                    <a:lnTlToBr w="12700" cmpd="sng">
+                      <a:noFill/>
+                      <a:prstDash val="solid"/>
+                    </a:lnTlToBr>
+                    <a:lnBlToTr w="12700" cmpd="sng">
+                      <a:noFill/>
+                      <a:prstDash val="solid"/>
+                    </a:lnBlToTr>
+                    <a:blipFill dpi="0" rotWithShape="1">
+                      <a:blip r:embed="rId3"/>
+                      <a:srcRect/>
+                      <a:tile tx="0" ty="0" sx="100000" sy="100000" flip="none" algn="tl"/>
+                    </a:blipFill>
+                  </a:tcPr>
+                </a:tc>
+                <a:extLst>
+                  <a:ext uri="{0D108BD9-81ED-4DB2-BD59-A6C34878D82A}">
+                    <a16:rowId xmlns:a16="http://schemas.microsoft.com/office/drawing/2014/main" val="3825828461"/>
+                  </a:ext>
+                </a:extLst>
+              </a:tr>
+            </a:tbl>
+          </a:graphicData>
+        </a:graphic>
+      </p:graphicFrame>
     </p:spTree>
     <p:extLst>
       <p:ext uri="{BB962C8B-B14F-4D97-AF65-F5344CB8AC3E}">

--- a/Office办公套件/PowerPoint/PPT制作教程-bilibili/演示文稿1.pptx
+++ b/Office办公套件/PowerPoint/PPT制作教程-bilibili/演示文稿1.pptx
@@ -5,10 +5,10 @@
     <p:sldMasterId id="2147483843" r:id="rId1"/>
   </p:sldMasterIdLst>
   <p:notesMasterIdLst>
-    <p:notesMasterId r:id="rId8"/>
+    <p:notesMasterId r:id="rId7"/>
   </p:notesMasterIdLst>
   <p:handoutMasterIdLst>
-    <p:handoutMasterId r:id="rId9"/>
+    <p:handoutMasterId r:id="rId8"/>
   </p:handoutMasterIdLst>
   <p:sldIdLst>
     <p:sldId id="256" r:id="rId2"/>
@@ -16,7 +16,6 @@
     <p:sldId id="260" r:id="rId4"/>
     <p:sldId id="262" r:id="rId5"/>
     <p:sldId id="263" r:id="rId6"/>
-    <p:sldId id="264" r:id="rId7"/>
   </p:sldIdLst>
   <p:sldSz cx="12192000" cy="6858000"/>
   <p:notesSz cx="6797675" cy="9926638"/>
@@ -261,7 +260,7 @@
           <a:p>
             <a:fld id="{3444D996-4A24-40D3-9F2C-052EDF450D95}" type="datetimeFigureOut">
               <a:rPr lang="zh-CN" altLang="en-US" smtClean="0"/>
-              <a:t>2023/6/12</a:t>
+              <a:t>2023/6/13</a:t>
             </a:fld>
             <a:endParaRPr lang="zh-CN" altLang="en-US"/>
           </a:p>
@@ -438,7 +437,7 @@
           <a:p>
             <a:fld id="{FC6B9CFD-0A46-423E-B11A-5A25C21747AB}" type="datetimeFigureOut">
               <a:rPr lang="zh-CN" altLang="en-US" smtClean="0"/>
-              <a:t>2023/6/12</a:t>
+              <a:t>2023/6/13</a:t>
             </a:fld>
             <a:endParaRPr lang="zh-CN" altLang="en-US"/>
           </a:p>
@@ -1232,7 +1231,7 @@
           <a:p>
             <a:fld id="{99280D12-06FF-45AF-82F6-CF360F32A8A7}" type="datetime1">
               <a:rPr lang="zh-CN" altLang="en-US" smtClean="0"/>
-              <a:t>2023/6/12</a:t>
+              <a:t>2023/6/13</a:t>
             </a:fld>
             <a:endParaRPr lang="zh-CN" altLang="en-US"/>
           </a:p>
@@ -1672,7 +1671,7 @@
           <a:p>
             <a:fld id="{0D6C760C-9377-4DED-AF68-1C29C8AA98AC}" type="datetime1">
               <a:rPr lang="zh-CN" altLang="en-US" smtClean="0"/>
-              <a:t>2023/6/12</a:t>
+              <a:t>2023/6/13</a:t>
             </a:fld>
             <a:endParaRPr lang="zh-CN" altLang="en-US"/>
           </a:p>
@@ -1926,7 +1925,7 @@
           <a:p>
             <a:fld id="{DCC03B0F-DC54-4586-A704-9F25B42DC115}" type="datetime1">
               <a:rPr lang="zh-CN" altLang="en-US" smtClean="0"/>
-              <a:t>2023/6/12</a:t>
+              <a:t>2023/6/13</a:t>
             </a:fld>
             <a:endParaRPr lang="zh-CN" altLang="en-US"/>
           </a:p>
@@ -2238,7 +2237,7 @@
           <a:p>
             <a:fld id="{58C0336E-037A-425B-A88A-37D2C724B9F5}" type="datetime1">
               <a:rPr lang="zh-CN" altLang="en-US" smtClean="0"/>
-              <a:t>2023/6/12</a:t>
+              <a:t>2023/6/13</a:t>
             </a:fld>
             <a:endParaRPr lang="zh-CN" altLang="en-US"/>
           </a:p>
@@ -2560,7 +2559,7 @@
           <a:p>
             <a:fld id="{54B95B62-0974-42AB-AAD8-46CCCD602E60}" type="datetime1">
               <a:rPr lang="zh-CN" altLang="en-US" smtClean="0"/>
-              <a:t>2023/6/12</a:t>
+              <a:t>2023/6/13</a:t>
             </a:fld>
             <a:endParaRPr lang="zh-CN" altLang="en-US"/>
           </a:p>
@@ -2866,7 +2865,7 @@
           <a:p>
             <a:fld id="{B84F60E6-2B0B-4BFC-B0C2-D9F565B26274}" type="datetime1">
               <a:rPr lang="zh-CN" altLang="en-US" smtClean="0"/>
-              <a:t>2023/6/12</a:t>
+              <a:t>2023/6/13</a:t>
             </a:fld>
             <a:endParaRPr lang="zh-CN" altLang="en-US"/>
           </a:p>
@@ -3237,7 +3236,7 @@
           <a:p>
             <a:fld id="{232FBD7E-D9ED-4919-9DDB-DA3F1C8CF9B3}" type="datetime1">
               <a:rPr lang="zh-CN" altLang="en-US" smtClean="0"/>
-              <a:t>2023/6/12</a:t>
+              <a:t>2023/6/13</a:t>
             </a:fld>
             <a:endParaRPr lang="zh-CN" altLang="en-US"/>
           </a:p>
@@ -3415,7 +3414,7 @@
           <a:p>
             <a:fld id="{5B4A3BF2-16CF-4B1B-A753-4ECE3B58413C}" type="datetime1">
               <a:rPr lang="zh-CN" altLang="en-US" smtClean="0"/>
-              <a:t>2023/6/12</a:t>
+              <a:t>2023/6/13</a:t>
             </a:fld>
             <a:endParaRPr lang="zh-CN" altLang="en-US"/>
           </a:p>
@@ -3599,7 +3598,7 @@
           <a:p>
             <a:fld id="{3916DC50-BE9B-4663-BE86-CF0F40B8FB75}" type="datetime1">
               <a:rPr lang="zh-CN" altLang="en-US" smtClean="0"/>
-              <a:t>2023/6/12</a:t>
+              <a:t>2023/6/13</a:t>
             </a:fld>
             <a:endParaRPr lang="zh-CN" altLang="en-US"/>
           </a:p>
@@ -3704,7 +3703,7 @@
           <a:p>
             <a:fld id="{3F7B665C-1094-4F7A-8CB6-CD0AD8F3CDE0}" type="datetime1">
               <a:rPr lang="zh-CN" altLang="en-US" smtClean="0"/>
-              <a:t>2023/6/12</a:t>
+              <a:t>2023/6/13</a:t>
             </a:fld>
             <a:endParaRPr lang="zh-CN" altLang="en-US"/>
           </a:p>
@@ -3840,7 +3839,7 @@
           <a:p>
             <a:fld id="{62C6AA47-8A3E-4B53-880B-778482154B66}" type="datetime1">
               <a:rPr lang="zh-CN" altLang="en-US" smtClean="0"/>
-              <a:t>2023/6/12</a:t>
+              <a:t>2023/6/13</a:t>
             </a:fld>
             <a:endParaRPr lang="zh-CN" altLang="en-US"/>
           </a:p>
@@ -4034,7 +4033,7 @@
           <a:p>
             <a:fld id="{9A9EE799-38D3-4073-95F9-707B0CDE87FA}" type="datetime1">
               <a:rPr lang="zh-CN" altLang="en-US" smtClean="0"/>
-              <a:t>2023/6/12</a:t>
+              <a:t>2023/6/13</a:t>
             </a:fld>
             <a:endParaRPr lang="zh-CN" altLang="en-US"/>
           </a:p>
@@ -4288,7 +4287,7 @@
           <a:p>
             <a:fld id="{97FDA227-89E4-446D-83FD-0E01BBEA5388}" type="datetime1">
               <a:rPr lang="zh-CN" altLang="en-US" smtClean="0"/>
-              <a:t>2023/6/12</a:t>
+              <a:t>2023/6/13</a:t>
             </a:fld>
             <a:endParaRPr lang="zh-CN" altLang="en-US"/>
           </a:p>
@@ -4528,7 +4527,7 @@
           <a:p>
             <a:fld id="{EA6DA8F5-719E-4802-864C-B5AEA6562EAA}" type="datetime1">
               <a:rPr lang="zh-CN" altLang="en-US" smtClean="0"/>
-              <a:t>2023/6/12</a:t>
+              <a:t>2023/6/13</a:t>
             </a:fld>
             <a:endParaRPr lang="zh-CN" altLang="en-US"/>
           </a:p>
@@ -4914,7 +4913,7 @@
           <a:p>
             <a:fld id="{72748BBF-5EE4-4842-AE00-DEB278AF8DEE}" type="datetime1">
               <a:rPr lang="zh-CN" altLang="en-US" smtClean="0"/>
-              <a:t>2023/6/12</a:t>
+              <a:t>2023/6/13</a:t>
             </a:fld>
             <a:endParaRPr lang="zh-CN" altLang="en-US"/>
           </a:p>
@@ -5036,7 +5035,7 @@
           <a:p>
             <a:fld id="{4806F785-24AE-451D-9F99-4064A4005495}" type="datetime1">
               <a:rPr lang="zh-CN" altLang="en-US" smtClean="0"/>
-              <a:t>2023/6/12</a:t>
+              <a:t>2023/6/13</a:t>
             </a:fld>
             <a:endParaRPr lang="zh-CN" altLang="en-US"/>
           </a:p>
@@ -5135,7 +5134,7 @@
           <a:p>
             <a:fld id="{A2D25940-FF30-4149-A9B1-02F664B59A2B}" type="datetime1">
               <a:rPr lang="zh-CN" altLang="en-US" smtClean="0"/>
-              <a:t>2023/6/12</a:t>
+              <a:t>2023/6/13</a:t>
             </a:fld>
             <a:endParaRPr lang="zh-CN" altLang="en-US"/>
           </a:p>
@@ -5394,7 +5393,7 @@
           <a:p>
             <a:fld id="{F533C53D-CD6B-42D6-B283-CC646A7DA31D}" type="datetime1">
               <a:rPr lang="zh-CN" altLang="en-US" smtClean="0"/>
-              <a:t>2023/6/12</a:t>
+              <a:t>2023/6/13</a:t>
             </a:fld>
             <a:endParaRPr lang="zh-CN" altLang="en-US"/>
           </a:p>
@@ -5681,7 +5680,7 @@
           <a:p>
             <a:fld id="{81A9FE53-FA13-4722-9E60-FEC3C6B8295D}" type="datetime1">
               <a:rPr lang="zh-CN" altLang="en-US" smtClean="0"/>
-              <a:t>2023/6/12</a:t>
+              <a:t>2023/6/13</a:t>
             </a:fld>
             <a:endParaRPr lang="zh-CN" altLang="en-US"/>
           </a:p>
@@ -6089,7 +6088,7 @@
           <a:p>
             <a:fld id="{6A7508FF-794A-4D73-ABA2-52F5B9B9A4D7}" type="datetime1">
               <a:rPr lang="zh-CN" altLang="en-US" smtClean="0"/>
-              <a:t>2023/6/12</a:t>
+              <a:t>2023/6/13</a:t>
             </a:fld>
             <a:endParaRPr lang="zh-CN" altLang="en-US" dirty="0"/>
           </a:p>
@@ -6892,7 +6891,7 @@
           <a:p>
             <a:fld id="{C3B81950-4317-406C-89BA-D69306B6ECEF}" type="datetime1">
               <a:rPr lang="zh-CN" altLang="en-US" smtClean="0"/>
-              <a:t>2023/6/12</a:t>
+              <a:t>2023/6/13</a:t>
             </a:fld>
             <a:endParaRPr lang="zh-CN" altLang="en-US"/>
           </a:p>
@@ -7098,7 +7097,7 @@
           <a:p>
             <a:fld id="{EDCF8E9D-0405-4BEB-828C-84899042738C}" type="datetime1">
               <a:rPr lang="zh-CN" altLang="en-US" smtClean="0"/>
-              <a:t>2023/6/12</a:t>
+              <a:t>2023/6/13</a:t>
             </a:fld>
             <a:endParaRPr lang="zh-CN" altLang="en-US"/>
           </a:p>
@@ -7228,7 +7227,7 @@
           <a:p>
             <a:fld id="{3F7B665C-1094-4F7A-8CB6-CD0AD8F3CDE0}" type="datetime1">
               <a:rPr lang="zh-CN" altLang="en-US" smtClean="0"/>
-              <a:t>2023/6/12</a:t>
+              <a:t>2023/6/13</a:t>
             </a:fld>
             <a:endParaRPr lang="zh-CN" altLang="en-US"/>
           </a:p>
@@ -7308,7 +7307,7 @@
           <p:nvPr>
             <p:extLst>
               <p:ext uri="{D42A27DB-BD31-4B8C-83A1-F6EECF244321}">
-                <p14:modId xmlns:p14="http://schemas.microsoft.com/office/powerpoint/2010/main" val="2532600817"/>
+                <p14:modId xmlns:p14="http://schemas.microsoft.com/office/powerpoint/2010/main" val="3870778583"/>
               </p:ext>
             </p:extLst>
           </p:nvPr>
@@ -7461,12 +7460,45 @@
                 </a:extLst>
               </a:tr>
               <a:tr h="594552">
-                <a:tc>
+                <a:tc gridSpan="2">
                   <a:txBody>
                     <a:bodyPr/>
                     <a:lstStyle/>
                     <a:p>
                       <a:pPr marL="0" algn="l" defTabSz="457200" rtl="0" eaLnBrk="1" latinLnBrk="0" hangingPunct="1"/>
+                      <a:r>
+                        <a:rPr lang="zh-CN" altLang="en-US" sz="1600" kern="1200">
+                          <a:solidFill>
+                            <a:schemeClr val="dk1"/>
+                          </a:solidFill>
+                          <a:latin typeface="+mn-lt"/>
+                          <a:ea typeface="+mn-ea"/>
+                          <a:cs typeface="+mn-cs"/>
+                        </a:rPr>
+                        <a:t>阿凡达防守打法递四方速递发的发手动阀的说法是的 啥地方</a:t>
+                      </a:r>
+                      <a:r>
+                        <a:rPr lang="en-US" altLang="zh-CN" sz="1600" kern="1200">
+                          <a:solidFill>
+                            <a:schemeClr val="dk1"/>
+                          </a:solidFill>
+                          <a:latin typeface="+mn-lt"/>
+                          <a:ea typeface="+mn-ea"/>
+                          <a:cs typeface="+mn-cs"/>
+                        </a:rPr>
+                        <a:t>sad</a:t>
+                      </a:r>
+                      <a:r>
+                        <a:rPr lang="zh-CN" altLang="en-US" sz="1600" kern="1200">
+                          <a:solidFill>
+                            <a:schemeClr val="dk1"/>
+                          </a:solidFill>
+                          <a:latin typeface="+mn-lt"/>
+                          <a:ea typeface="+mn-ea"/>
+                          <a:cs typeface="+mn-cs"/>
+                        </a:rPr>
+                        <a:t>防守打法的  发</a:t>
+                      </a:r>
                       <a:endParaRPr lang="zh-CN" altLang="en-US" sz="1600" kern="1200" dirty="0">
                         <a:solidFill>
                           <a:schemeClr val="dk1"/>
@@ -7488,7 +7520,9 @@
                       <a:tailEnd type="none" w="med" len="med"/>
                     </a:lnL>
                     <a:lnR w="3175" cap="flat" cmpd="sng" algn="ctr">
-                      <a:noFill/>
+                      <a:solidFill>
+                        <a:schemeClr val="bg1"/>
+                      </a:solidFill>
                       <a:prstDash val="solid"/>
                       <a:round/>
                       <a:headEnd type="none" w="med" len="med"/>
@@ -7521,7 +7555,7 @@
                     </a:solidFill>
                   </a:tcPr>
                 </a:tc>
-                <a:tc>
+                <a:tc hMerge="1">
                   <a:txBody>
                     <a:bodyPr/>
                     <a:lstStyle/>
@@ -7997,7 +8031,7 @@
           <a:p>
             <a:fld id="{A2D25940-FF30-4149-A9B1-02F664B59A2B}" type="datetime1">
               <a:rPr lang="zh-CN" altLang="en-US" smtClean="0"/>
-              <a:t>2023/6/12</a:t>
+              <a:t>2023/6/13</a:t>
             </a:fld>
             <a:endParaRPr lang="zh-CN" altLang="en-US"/>
           </a:p>
@@ -8076,7 +8110,7 @@
         <p:spPr>
           <a:xfrm>
             <a:off x="334963" y="69919"/>
-            <a:ext cx="1230254" cy="400110"/>
+            <a:ext cx="2170112" cy="400110"/>
           </a:xfrm>
           <a:prstGeom prst="rect">
             <a:avLst/>
@@ -8090,7 +8124,7 @@
           <a:lstStyle/>
           <a:p>
             <a:r>
-              <a:rPr kumimoji="1" lang="en-US" altLang="zh-CN" sz="2000" b="1" dirty="0">
+              <a:rPr kumimoji="1" lang="en-US" altLang="zh-CN" sz="2000" b="1">
                 <a:solidFill>
                   <a:schemeClr val="bg1"/>
                 </a:solidFill>
@@ -8100,7 +8134,7 @@
               <a:t>▲</a:t>
             </a:r>
             <a:r>
-              <a:rPr kumimoji="1" lang="zh-CN" altLang="en-US" sz="2000" b="1" dirty="0">
+              <a:rPr kumimoji="1" lang="zh-CN" altLang="en-US" sz="2000" b="1">
                 <a:solidFill>
                   <a:schemeClr val="bg1"/>
                 </a:solidFill>
@@ -8109,6 +8143,33 @@
               </a:rPr>
               <a:t> 表格</a:t>
             </a:r>
+            <a:r>
+              <a:rPr kumimoji="1" lang="en-US" altLang="zh-CN" sz="2000" b="1">
+                <a:solidFill>
+                  <a:schemeClr val="bg1"/>
+                </a:solidFill>
+                <a:latin typeface="SimSun" panose="02010600030101010101" pitchFamily="2" charset="-122"/>
+                <a:ea typeface="SimSun" panose="02010600030101010101" pitchFamily="2" charset="-122"/>
+              </a:rPr>
+              <a:t>-</a:t>
+            </a:r>
+            <a:r>
+              <a:rPr kumimoji="1" lang="zh-CN" altLang="en-US" sz="2000" b="1">
+                <a:solidFill>
+                  <a:schemeClr val="bg1"/>
+                </a:solidFill>
+                <a:latin typeface="SimSun" panose="02010600030101010101" pitchFamily="2" charset="-122"/>
+                <a:ea typeface="SimSun" panose="02010600030101010101" pitchFamily="2" charset="-122"/>
+              </a:rPr>
+              <a:t>九宫格</a:t>
+            </a:r>
+            <a:endParaRPr kumimoji="1" lang="zh-CN" altLang="en-US" sz="2000" b="1" dirty="0">
+              <a:solidFill>
+                <a:schemeClr val="bg1"/>
+              </a:solidFill>
+              <a:latin typeface="SimSun" panose="02010600030101010101" pitchFamily="2" charset="-122"/>
+              <a:ea typeface="SimSun" panose="02010600030101010101" pitchFamily="2" charset="-122"/>
+            </a:endParaRPr>
           </a:p>
         </p:txBody>
       </p:sp>
@@ -8171,7 +8232,7 @@
           <p:nvPr>
             <p:extLst>
               <p:ext uri="{D42A27DB-BD31-4B8C-83A1-F6EECF244321}">
-                <p14:modId xmlns:p14="http://schemas.microsoft.com/office/powerpoint/2010/main" val="1846474474"/>
+                <p14:modId xmlns:p14="http://schemas.microsoft.com/office/powerpoint/2010/main" val="1115272539"/>
               </p:ext>
             </p:extLst>
           </p:nvPr>
@@ -8462,7 +8523,9 @@
     <p:bg>
       <p:bgPr>
         <a:solidFill>
-          <a:schemeClr val="tx1"/>
+          <a:schemeClr val="tx1">
+            <a:lumMod val="95000"/>
+          </a:schemeClr>
         </a:solidFill>
         <a:effectLst/>
       </p:bgPr>
@@ -8509,7 +8572,7 @@
           <a:p>
             <a:fld id="{A2D25940-FF30-4149-A9B1-02F664B59A2B}" type="datetime1">
               <a:rPr lang="zh-CN" altLang="en-US" smtClean="0"/>
-              <a:t>2023/6/12</a:t>
+              <a:t>2023/6/13</a:t>
             </a:fld>
             <a:endParaRPr lang="zh-CN" altLang="en-US"/>
           </a:p>
@@ -8587,7 +8650,7 @@
         </p:nvSpPr>
         <p:spPr>
           <a:xfrm>
-            <a:off x="3345543" y="678542"/>
+            <a:off x="3345542" y="678542"/>
             <a:ext cx="5500915" cy="5500915"/>
           </a:xfrm>
           <a:prstGeom prst="ellipse">
@@ -8647,131 +8710,6 @@
     <p:extLst>
       <p:ext uri="{BB962C8B-B14F-4D97-AF65-F5344CB8AC3E}">
         <p14:creationId xmlns:p14="http://schemas.microsoft.com/office/powerpoint/2010/main" val="2110270617"/>
-      </p:ext>
-    </p:extLst>
-  </p:cSld>
-  <p:clrMapOvr>
-    <a:masterClrMapping/>
-  </p:clrMapOvr>
-</p:sld>
-</file>
-
-<file path=ppt/slides/slide6.xml><?xml version="1.0" encoding="utf-8"?>
-<p:sld xmlns:a="http://schemas.openxmlformats.org/drawingml/2006/main" xmlns:r="http://schemas.openxmlformats.org/officeDocument/2006/relationships" xmlns:p="http://schemas.openxmlformats.org/presentationml/2006/main" showMasterSp="0">
-  <p:cSld>
-    <p:bg>
-      <p:bgPr>
-        <a:solidFill>
-          <a:schemeClr val="tx1"/>
-        </a:solidFill>
-        <a:effectLst/>
-      </p:bgPr>
-    </p:bg>
-    <p:spTree>
-      <p:nvGrpSpPr>
-        <p:cNvPr id="1" name=""/>
-        <p:cNvGrpSpPr/>
-        <p:nvPr/>
-      </p:nvGrpSpPr>
-      <p:grpSpPr>
-        <a:xfrm>
-          <a:off x="0" y="0"/>
-          <a:ext cx="0" cy="0"/>
-          <a:chOff x="0" y="0"/>
-          <a:chExt cx="0" cy="0"/>
-        </a:xfrm>
-      </p:grpSpPr>
-      <p:sp>
-        <p:nvSpPr>
-          <p:cNvPr id="2" name="日期占位符 1" hidden="1">
-            <a:extLst>
-              <a:ext uri="{FF2B5EF4-FFF2-40B4-BE49-F238E27FC236}">
-                <a16:creationId xmlns:a16="http://schemas.microsoft.com/office/drawing/2014/main" id="{0E0EB23F-D522-4392-A24A-0F00705CDA85}"/>
-              </a:ext>
-            </a:extLst>
-          </p:cNvPr>
-          <p:cNvSpPr>
-            <a:spLocks noGrp="1"/>
-          </p:cNvSpPr>
-          <p:nvPr>
-            <p:ph type="dt" sz="half" idx="10"/>
-          </p:nvPr>
-        </p:nvSpPr>
-        <p:spPr/>
-        <p:txBody>
-          <a:bodyPr/>
-          <a:lstStyle/>
-          <a:p>
-            <a:fld id="{A2D25940-FF30-4149-A9B1-02F664B59A2B}" type="datetime1">
-              <a:rPr lang="zh-CN" altLang="en-US" smtClean="0"/>
-              <a:t>2023/6/12</a:t>
-            </a:fld>
-            <a:endParaRPr lang="zh-CN" altLang="en-US"/>
-          </a:p>
-        </p:txBody>
-      </p:sp>
-      <p:sp>
-        <p:nvSpPr>
-          <p:cNvPr id="3" name="页脚占位符 2" hidden="1">
-            <a:extLst>
-              <a:ext uri="{FF2B5EF4-FFF2-40B4-BE49-F238E27FC236}">
-                <a16:creationId xmlns:a16="http://schemas.microsoft.com/office/drawing/2014/main" id="{146FF00D-EBC5-41BB-8250-9DB4FBD135C0}"/>
-              </a:ext>
-            </a:extLst>
-          </p:cNvPr>
-          <p:cNvSpPr>
-            <a:spLocks noGrp="1"/>
-          </p:cNvSpPr>
-          <p:nvPr>
-            <p:ph type="ftr" sz="quarter" idx="11"/>
-          </p:nvPr>
-        </p:nvSpPr>
-        <p:spPr/>
-        <p:txBody>
-          <a:bodyPr/>
-          <a:lstStyle/>
-          <a:p>
-            <a:r>
-              <a:rPr lang="en-US" altLang="zh-CN"/>
-              <a:t>Every page will display this footer</a:t>
-            </a:r>
-            <a:endParaRPr lang="zh-CN" altLang="en-US"/>
-          </a:p>
-        </p:txBody>
-      </p:sp>
-      <p:sp>
-        <p:nvSpPr>
-          <p:cNvPr id="4" name="灯片编号占位符 3" hidden="1">
-            <a:extLst>
-              <a:ext uri="{FF2B5EF4-FFF2-40B4-BE49-F238E27FC236}">
-                <a16:creationId xmlns:a16="http://schemas.microsoft.com/office/drawing/2014/main" id="{97DD1AA7-DCF6-4005-8EA8-AB554179C321}"/>
-              </a:ext>
-            </a:extLst>
-          </p:cNvPr>
-          <p:cNvSpPr>
-            <a:spLocks noGrp="1"/>
-          </p:cNvSpPr>
-          <p:nvPr>
-            <p:ph type="sldNum" sz="quarter" idx="12"/>
-          </p:nvPr>
-        </p:nvSpPr>
-        <p:spPr/>
-        <p:txBody>
-          <a:bodyPr/>
-          <a:lstStyle/>
-          <a:p>
-            <a:fld id="{0830D28C-911A-49C0-ADAE-9E758095BB3B}" type="slidenum">
-              <a:rPr lang="zh-CN" altLang="en-US" smtClean="0"/>
-              <a:t>6</a:t>
-            </a:fld>
-            <a:endParaRPr lang="zh-CN" altLang="en-US"/>
-          </a:p>
-        </p:txBody>
-      </p:sp>
-    </p:spTree>
-    <p:extLst>
-      <p:ext uri="{BB962C8B-B14F-4D97-AF65-F5344CB8AC3E}">
-        <p14:creationId xmlns:p14="http://schemas.microsoft.com/office/powerpoint/2010/main" val="2024668379"/>
       </p:ext>
     </p:extLst>
   </p:cSld>

--- a/Office办公套件/PowerPoint/PPT制作教程-bilibili/演示文稿1.pptx
+++ b/Office办公套件/PowerPoint/PPT制作教程-bilibili/演示文稿1.pptx
@@ -5,10 +5,10 @@
     <p:sldMasterId id="2147483843" r:id="rId1"/>
   </p:sldMasterIdLst>
   <p:notesMasterIdLst>
-    <p:notesMasterId r:id="rId7"/>
+    <p:notesMasterId r:id="rId9"/>
   </p:notesMasterIdLst>
   <p:handoutMasterIdLst>
-    <p:handoutMasterId r:id="rId8"/>
+    <p:handoutMasterId r:id="rId10"/>
   </p:handoutMasterIdLst>
   <p:sldIdLst>
     <p:sldId id="256" r:id="rId2"/>
@@ -16,6 +16,8 @@
     <p:sldId id="260" r:id="rId4"/>
     <p:sldId id="262" r:id="rId5"/>
     <p:sldId id="263" r:id="rId6"/>
+    <p:sldId id="264" r:id="rId7"/>
+    <p:sldId id="265" r:id="rId8"/>
   </p:sldIdLst>
   <p:sldSz cx="12192000" cy="6858000"/>
   <p:notesSz cx="6797675" cy="9926638"/>
@@ -260,7 +262,7 @@
           <a:p>
             <a:fld id="{3444D996-4A24-40D3-9F2C-052EDF450D95}" type="datetimeFigureOut">
               <a:rPr lang="zh-CN" altLang="en-US" smtClean="0"/>
-              <a:t>2023/6/13</a:t>
+              <a:t>2023/6/15</a:t>
             </a:fld>
             <a:endParaRPr lang="zh-CN" altLang="en-US"/>
           </a:p>
@@ -437,7 +439,7 @@
           <a:p>
             <a:fld id="{FC6B9CFD-0A46-423E-B11A-5A25C21747AB}" type="datetimeFigureOut">
               <a:rPr lang="zh-CN" altLang="en-US" smtClean="0"/>
-              <a:t>2023/6/13</a:t>
+              <a:t>2023/6/15</a:t>
             </a:fld>
             <a:endParaRPr lang="zh-CN" altLang="en-US"/>
           </a:p>
@@ -1231,7 +1233,7 @@
           <a:p>
             <a:fld id="{99280D12-06FF-45AF-82F6-CF360F32A8A7}" type="datetime1">
               <a:rPr lang="zh-CN" altLang="en-US" smtClean="0"/>
-              <a:t>2023/6/13</a:t>
+              <a:t>2023/6/15</a:t>
             </a:fld>
             <a:endParaRPr lang="zh-CN" altLang="en-US"/>
           </a:p>
@@ -1671,7 +1673,7 @@
           <a:p>
             <a:fld id="{0D6C760C-9377-4DED-AF68-1C29C8AA98AC}" type="datetime1">
               <a:rPr lang="zh-CN" altLang="en-US" smtClean="0"/>
-              <a:t>2023/6/13</a:t>
+              <a:t>2023/6/15</a:t>
             </a:fld>
             <a:endParaRPr lang="zh-CN" altLang="en-US"/>
           </a:p>
@@ -1925,7 +1927,7 @@
           <a:p>
             <a:fld id="{DCC03B0F-DC54-4586-A704-9F25B42DC115}" type="datetime1">
               <a:rPr lang="zh-CN" altLang="en-US" smtClean="0"/>
-              <a:t>2023/6/13</a:t>
+              <a:t>2023/6/15</a:t>
             </a:fld>
             <a:endParaRPr lang="zh-CN" altLang="en-US"/>
           </a:p>
@@ -2237,7 +2239,7 @@
           <a:p>
             <a:fld id="{58C0336E-037A-425B-A88A-37D2C724B9F5}" type="datetime1">
               <a:rPr lang="zh-CN" altLang="en-US" smtClean="0"/>
-              <a:t>2023/6/13</a:t>
+              <a:t>2023/6/15</a:t>
             </a:fld>
             <a:endParaRPr lang="zh-CN" altLang="en-US"/>
           </a:p>
@@ -2559,7 +2561,7 @@
           <a:p>
             <a:fld id="{54B95B62-0974-42AB-AAD8-46CCCD602E60}" type="datetime1">
               <a:rPr lang="zh-CN" altLang="en-US" smtClean="0"/>
-              <a:t>2023/6/13</a:t>
+              <a:t>2023/6/15</a:t>
             </a:fld>
             <a:endParaRPr lang="zh-CN" altLang="en-US"/>
           </a:p>
@@ -2865,7 +2867,7 @@
           <a:p>
             <a:fld id="{B84F60E6-2B0B-4BFC-B0C2-D9F565B26274}" type="datetime1">
               <a:rPr lang="zh-CN" altLang="en-US" smtClean="0"/>
-              <a:t>2023/6/13</a:t>
+              <a:t>2023/6/15</a:t>
             </a:fld>
             <a:endParaRPr lang="zh-CN" altLang="en-US"/>
           </a:p>
@@ -3236,7 +3238,7 @@
           <a:p>
             <a:fld id="{232FBD7E-D9ED-4919-9DDB-DA3F1C8CF9B3}" type="datetime1">
               <a:rPr lang="zh-CN" altLang="en-US" smtClean="0"/>
-              <a:t>2023/6/13</a:t>
+              <a:t>2023/6/15</a:t>
             </a:fld>
             <a:endParaRPr lang="zh-CN" altLang="en-US"/>
           </a:p>
@@ -3414,7 +3416,7 @@
           <a:p>
             <a:fld id="{5B4A3BF2-16CF-4B1B-A753-4ECE3B58413C}" type="datetime1">
               <a:rPr lang="zh-CN" altLang="en-US" smtClean="0"/>
-              <a:t>2023/6/13</a:t>
+              <a:t>2023/6/15</a:t>
             </a:fld>
             <a:endParaRPr lang="zh-CN" altLang="en-US"/>
           </a:p>
@@ -3598,7 +3600,7 @@
           <a:p>
             <a:fld id="{3916DC50-BE9B-4663-BE86-CF0F40B8FB75}" type="datetime1">
               <a:rPr lang="zh-CN" altLang="en-US" smtClean="0"/>
-              <a:t>2023/6/13</a:t>
+              <a:t>2023/6/15</a:t>
             </a:fld>
             <a:endParaRPr lang="zh-CN" altLang="en-US"/>
           </a:p>
@@ -3703,7 +3705,7 @@
           <a:p>
             <a:fld id="{3F7B665C-1094-4F7A-8CB6-CD0AD8F3CDE0}" type="datetime1">
               <a:rPr lang="zh-CN" altLang="en-US" smtClean="0"/>
-              <a:t>2023/6/13</a:t>
+              <a:t>2023/6/15</a:t>
             </a:fld>
             <a:endParaRPr lang="zh-CN" altLang="en-US"/>
           </a:p>
@@ -3839,7 +3841,7 @@
           <a:p>
             <a:fld id="{62C6AA47-8A3E-4B53-880B-778482154B66}" type="datetime1">
               <a:rPr lang="zh-CN" altLang="en-US" smtClean="0"/>
-              <a:t>2023/6/13</a:t>
+              <a:t>2023/6/15</a:t>
             </a:fld>
             <a:endParaRPr lang="zh-CN" altLang="en-US"/>
           </a:p>
@@ -4033,7 +4035,7 @@
           <a:p>
             <a:fld id="{9A9EE799-38D3-4073-95F9-707B0CDE87FA}" type="datetime1">
               <a:rPr lang="zh-CN" altLang="en-US" smtClean="0"/>
-              <a:t>2023/6/13</a:t>
+              <a:t>2023/6/15</a:t>
             </a:fld>
             <a:endParaRPr lang="zh-CN" altLang="en-US"/>
           </a:p>
@@ -4287,7 +4289,7 @@
           <a:p>
             <a:fld id="{97FDA227-89E4-446D-83FD-0E01BBEA5388}" type="datetime1">
               <a:rPr lang="zh-CN" altLang="en-US" smtClean="0"/>
-              <a:t>2023/6/13</a:t>
+              <a:t>2023/6/15</a:t>
             </a:fld>
             <a:endParaRPr lang="zh-CN" altLang="en-US"/>
           </a:p>
@@ -4527,7 +4529,7 @@
           <a:p>
             <a:fld id="{EA6DA8F5-719E-4802-864C-B5AEA6562EAA}" type="datetime1">
               <a:rPr lang="zh-CN" altLang="en-US" smtClean="0"/>
-              <a:t>2023/6/13</a:t>
+              <a:t>2023/6/15</a:t>
             </a:fld>
             <a:endParaRPr lang="zh-CN" altLang="en-US"/>
           </a:p>
@@ -4913,7 +4915,7 @@
           <a:p>
             <a:fld id="{72748BBF-5EE4-4842-AE00-DEB278AF8DEE}" type="datetime1">
               <a:rPr lang="zh-CN" altLang="en-US" smtClean="0"/>
-              <a:t>2023/6/13</a:t>
+              <a:t>2023/6/15</a:t>
             </a:fld>
             <a:endParaRPr lang="zh-CN" altLang="en-US"/>
           </a:p>
@@ -5035,7 +5037,7 @@
           <a:p>
             <a:fld id="{4806F785-24AE-451D-9F99-4064A4005495}" type="datetime1">
               <a:rPr lang="zh-CN" altLang="en-US" smtClean="0"/>
-              <a:t>2023/6/13</a:t>
+              <a:t>2023/6/15</a:t>
             </a:fld>
             <a:endParaRPr lang="zh-CN" altLang="en-US"/>
           </a:p>
@@ -5134,7 +5136,7 @@
           <a:p>
             <a:fld id="{A2D25940-FF30-4149-A9B1-02F664B59A2B}" type="datetime1">
               <a:rPr lang="zh-CN" altLang="en-US" smtClean="0"/>
-              <a:t>2023/6/13</a:t>
+              <a:t>2023/6/15</a:t>
             </a:fld>
             <a:endParaRPr lang="zh-CN" altLang="en-US"/>
           </a:p>
@@ -5393,7 +5395,7 @@
           <a:p>
             <a:fld id="{F533C53D-CD6B-42D6-B283-CC646A7DA31D}" type="datetime1">
               <a:rPr lang="zh-CN" altLang="en-US" smtClean="0"/>
-              <a:t>2023/6/13</a:t>
+              <a:t>2023/6/15</a:t>
             </a:fld>
             <a:endParaRPr lang="zh-CN" altLang="en-US"/>
           </a:p>
@@ -5680,7 +5682,7 @@
           <a:p>
             <a:fld id="{81A9FE53-FA13-4722-9E60-FEC3C6B8295D}" type="datetime1">
               <a:rPr lang="zh-CN" altLang="en-US" smtClean="0"/>
-              <a:t>2023/6/13</a:t>
+              <a:t>2023/6/15</a:t>
             </a:fld>
             <a:endParaRPr lang="zh-CN" altLang="en-US"/>
           </a:p>
@@ -6088,7 +6090,7 @@
           <a:p>
             <a:fld id="{6A7508FF-794A-4D73-ABA2-52F5B9B9A4D7}" type="datetime1">
               <a:rPr lang="zh-CN" altLang="en-US" smtClean="0"/>
-              <a:t>2023/6/13</a:t>
+              <a:t>2023/6/15</a:t>
             </a:fld>
             <a:endParaRPr lang="zh-CN" altLang="en-US" dirty="0"/>
           </a:p>
@@ -6891,7 +6893,7 @@
           <a:p>
             <a:fld id="{C3B81950-4317-406C-89BA-D69306B6ECEF}" type="datetime1">
               <a:rPr lang="zh-CN" altLang="en-US" smtClean="0"/>
-              <a:t>2023/6/13</a:t>
+              <a:t>2023/6/15</a:t>
             </a:fld>
             <a:endParaRPr lang="zh-CN" altLang="en-US"/>
           </a:p>
@@ -7097,7 +7099,7 @@
           <a:p>
             <a:fld id="{EDCF8E9D-0405-4BEB-828C-84899042738C}" type="datetime1">
               <a:rPr lang="zh-CN" altLang="en-US" smtClean="0"/>
-              <a:t>2023/6/13</a:t>
+              <a:t>2023/6/15</a:t>
             </a:fld>
             <a:endParaRPr lang="zh-CN" altLang="en-US"/>
           </a:p>
@@ -7227,7 +7229,7 @@
           <a:p>
             <a:fld id="{3F7B665C-1094-4F7A-8CB6-CD0AD8F3CDE0}" type="datetime1">
               <a:rPr lang="zh-CN" altLang="en-US" smtClean="0"/>
-              <a:t>2023/6/13</a:t>
+              <a:t>2023/6/15</a:t>
             </a:fld>
             <a:endParaRPr lang="zh-CN" altLang="en-US"/>
           </a:p>
@@ -8031,7 +8033,7 @@
           <a:p>
             <a:fld id="{A2D25940-FF30-4149-A9B1-02F664B59A2B}" type="datetime1">
               <a:rPr lang="zh-CN" altLang="en-US" smtClean="0"/>
-              <a:t>2023/6/13</a:t>
+              <a:t>2023/6/15</a:t>
             </a:fld>
             <a:endParaRPr lang="zh-CN" altLang="en-US"/>
           </a:p>
@@ -8572,7 +8574,7 @@
           <a:p>
             <a:fld id="{A2D25940-FF30-4149-A9B1-02F664B59A2B}" type="datetime1">
               <a:rPr lang="zh-CN" altLang="en-US" smtClean="0"/>
-              <a:t>2023/6/13</a:t>
+              <a:t>2023/6/15</a:t>
             </a:fld>
             <a:endParaRPr lang="zh-CN" altLang="en-US"/>
           </a:p>
@@ -8710,6 +8712,535 @@
     <p:extLst>
       <p:ext uri="{BB962C8B-B14F-4D97-AF65-F5344CB8AC3E}">
         <p14:creationId xmlns:p14="http://schemas.microsoft.com/office/powerpoint/2010/main" val="2110270617"/>
+      </p:ext>
+    </p:extLst>
+  </p:cSld>
+  <p:clrMapOvr>
+    <a:masterClrMapping/>
+  </p:clrMapOvr>
+</p:sld>
+</file>
+
+<file path=ppt/slides/slide6.xml><?xml version="1.0" encoding="utf-8"?>
+<p:sld xmlns:a="http://schemas.openxmlformats.org/drawingml/2006/main" xmlns:r="http://schemas.openxmlformats.org/officeDocument/2006/relationships" xmlns:p="http://schemas.openxmlformats.org/presentationml/2006/main" showMasterSp="0">
+  <p:cSld>
+    <p:bg>
+      <p:bgPr>
+        <a:solidFill>
+          <a:schemeClr val="tx1"/>
+        </a:solidFill>
+        <a:effectLst/>
+      </p:bgPr>
+    </p:bg>
+    <p:spTree>
+      <p:nvGrpSpPr>
+        <p:cNvPr id="1" name=""/>
+        <p:cNvGrpSpPr/>
+        <p:nvPr/>
+      </p:nvGrpSpPr>
+      <p:grpSpPr>
+        <a:xfrm>
+          <a:off x="0" y="0"/>
+          <a:ext cx="0" cy="0"/>
+          <a:chOff x="0" y="0"/>
+          <a:chExt cx="0" cy="0"/>
+        </a:xfrm>
+      </p:grpSpPr>
+      <p:sp>
+        <p:nvSpPr>
+          <p:cNvPr id="2" name="日期占位符 1">
+            <a:extLst>
+              <a:ext uri="{FF2B5EF4-FFF2-40B4-BE49-F238E27FC236}">
+                <a16:creationId xmlns:a16="http://schemas.microsoft.com/office/drawing/2014/main" id="{C9111457-5C88-A676-05F8-86D4E5CDD5D7}"/>
+              </a:ext>
+            </a:extLst>
+          </p:cNvPr>
+          <p:cNvSpPr>
+            <a:spLocks noGrp="1"/>
+          </p:cNvSpPr>
+          <p:nvPr>
+            <p:ph type="dt" sz="half" idx="10"/>
+          </p:nvPr>
+        </p:nvSpPr>
+        <p:spPr/>
+        <p:txBody>
+          <a:bodyPr/>
+          <a:lstStyle/>
+          <a:p>
+            <a:fld id="{A2D25940-FF30-4149-A9B1-02F664B59A2B}" type="datetime1">
+              <a:rPr lang="zh-CN" altLang="en-US" smtClean="0"/>
+              <a:t>2023/6/15</a:t>
+            </a:fld>
+            <a:endParaRPr lang="zh-CN" altLang="en-US"/>
+          </a:p>
+        </p:txBody>
+      </p:sp>
+      <p:sp>
+        <p:nvSpPr>
+          <p:cNvPr id="3" name="页脚占位符 2">
+            <a:extLst>
+              <a:ext uri="{FF2B5EF4-FFF2-40B4-BE49-F238E27FC236}">
+                <a16:creationId xmlns:a16="http://schemas.microsoft.com/office/drawing/2014/main" id="{45E298F2-D53A-4D68-DE3C-468030D656B7}"/>
+              </a:ext>
+            </a:extLst>
+          </p:cNvPr>
+          <p:cNvSpPr>
+            <a:spLocks noGrp="1"/>
+          </p:cNvSpPr>
+          <p:nvPr>
+            <p:ph type="ftr" sz="quarter" idx="11"/>
+          </p:nvPr>
+        </p:nvSpPr>
+        <p:spPr/>
+        <p:txBody>
+          <a:bodyPr/>
+          <a:lstStyle/>
+          <a:p>
+            <a:r>
+              <a:rPr lang="en-US" altLang="zh-CN"/>
+              <a:t>Every page will display this footer</a:t>
+            </a:r>
+            <a:endParaRPr lang="zh-CN" altLang="en-US"/>
+          </a:p>
+        </p:txBody>
+      </p:sp>
+      <p:sp>
+        <p:nvSpPr>
+          <p:cNvPr id="4" name="灯片编号占位符 3">
+            <a:extLst>
+              <a:ext uri="{FF2B5EF4-FFF2-40B4-BE49-F238E27FC236}">
+                <a16:creationId xmlns:a16="http://schemas.microsoft.com/office/drawing/2014/main" id="{EEC4A82A-B963-FB09-F57A-CD34630BCF1E}"/>
+              </a:ext>
+            </a:extLst>
+          </p:cNvPr>
+          <p:cNvSpPr>
+            <a:spLocks noGrp="1"/>
+          </p:cNvSpPr>
+          <p:nvPr>
+            <p:ph type="sldNum" sz="quarter" idx="12"/>
+          </p:nvPr>
+        </p:nvSpPr>
+        <p:spPr/>
+        <p:txBody>
+          <a:bodyPr/>
+          <a:lstStyle/>
+          <a:p>
+            <a:fld id="{0830D28C-911A-49C0-ADAE-9E758095BB3B}" type="slidenum">
+              <a:rPr lang="zh-CN" altLang="en-US" smtClean="0"/>
+              <a:t>6</a:t>
+            </a:fld>
+            <a:endParaRPr lang="zh-CN" altLang="en-US"/>
+          </a:p>
+        </p:txBody>
+      </p:sp>
+      <p:sp>
+        <p:nvSpPr>
+          <p:cNvPr id="7" name="文本框 6">
+            <a:extLst>
+              <a:ext uri="{FF2B5EF4-FFF2-40B4-BE49-F238E27FC236}">
+                <a16:creationId xmlns:a16="http://schemas.microsoft.com/office/drawing/2014/main" id="{A0AB2FAC-CEA5-E722-624E-8D8F6A76B9B5}"/>
+              </a:ext>
+            </a:extLst>
+          </p:cNvPr>
+          <p:cNvSpPr txBox="1"/>
+          <p:nvPr/>
+        </p:nvSpPr>
+        <p:spPr>
+          <a:xfrm>
+            <a:off x="334963" y="69919"/>
+            <a:ext cx="2170112" cy="400110"/>
+          </a:xfrm>
+          <a:prstGeom prst="rect">
+            <a:avLst/>
+          </a:prstGeom>
+          <a:noFill/>
+        </p:spPr>
+        <p:txBody>
+          <a:bodyPr wrap="square" rtlCol="0">
+            <a:spAutoFit/>
+          </a:bodyPr>
+          <a:lstStyle/>
+          <a:p>
+            <a:r>
+              <a:rPr kumimoji="1" lang="en-US" altLang="zh-CN" sz="2000" b="1">
+                <a:solidFill>
+                  <a:schemeClr val="bg1"/>
+                </a:solidFill>
+                <a:latin typeface="SimSun" panose="02010600030101010101" pitchFamily="2" charset="-122"/>
+                <a:ea typeface="SimSun" panose="02010600030101010101" pitchFamily="2" charset="-122"/>
+              </a:rPr>
+              <a:t>▲</a:t>
+            </a:r>
+            <a:r>
+              <a:rPr kumimoji="1" lang="zh-CN" altLang="en-US" sz="2000" b="1">
+                <a:solidFill>
+                  <a:schemeClr val="bg1"/>
+                </a:solidFill>
+                <a:latin typeface="SimSun" panose="02010600030101010101" pitchFamily="2" charset="-122"/>
+                <a:ea typeface="SimSun" panose="02010600030101010101" pitchFamily="2" charset="-122"/>
+              </a:rPr>
+              <a:t> 文字效果</a:t>
+            </a:r>
+            <a:endParaRPr kumimoji="1" lang="zh-CN" altLang="en-US" sz="2000" b="1" dirty="0">
+              <a:solidFill>
+                <a:schemeClr val="bg1"/>
+              </a:solidFill>
+              <a:latin typeface="SimSun" panose="02010600030101010101" pitchFamily="2" charset="-122"/>
+              <a:ea typeface="SimSun" panose="02010600030101010101" pitchFamily="2" charset="-122"/>
+            </a:endParaRPr>
+          </a:p>
+        </p:txBody>
+      </p:sp>
+      <p:cxnSp>
+        <p:nvCxnSpPr>
+          <p:cNvPr id="8" name="直线连接符 7">
+            <a:extLst>
+              <a:ext uri="{FF2B5EF4-FFF2-40B4-BE49-F238E27FC236}">
+                <a16:creationId xmlns:a16="http://schemas.microsoft.com/office/drawing/2014/main" id="{3A1890FE-1C1B-B4D4-AD62-A55106418653}"/>
+              </a:ext>
+            </a:extLst>
+          </p:cNvPr>
+          <p:cNvCxnSpPr>
+            <a:cxnSpLocks/>
+          </p:cNvCxnSpPr>
+          <p:nvPr/>
+        </p:nvCxnSpPr>
+        <p:spPr>
+          <a:xfrm>
+            <a:off x="444853" y="538817"/>
+            <a:ext cx="11302293" cy="0"/>
+          </a:xfrm>
+          <a:prstGeom prst="line">
+            <a:avLst/>
+          </a:prstGeom>
+          <a:ln w="12700" cmpd="sng">
+            <a:solidFill>
+              <a:schemeClr val="bg1"/>
+            </a:solidFill>
+            <a:prstDash val="sysDash"/>
+          </a:ln>
+        </p:spPr>
+        <p:style>
+          <a:lnRef idx="1">
+            <a:schemeClr val="accent1"/>
+          </a:lnRef>
+          <a:fillRef idx="0">
+            <a:schemeClr val="accent1"/>
+          </a:fillRef>
+          <a:effectRef idx="0">
+            <a:schemeClr val="accent1"/>
+          </a:effectRef>
+          <a:fontRef idx="minor">
+            <a:schemeClr val="tx1"/>
+          </a:fontRef>
+        </p:style>
+      </p:cxnSp>
+      <p:sp>
+        <p:nvSpPr>
+          <p:cNvPr id="9" name="文本框 8">
+            <a:extLst>
+              <a:ext uri="{FF2B5EF4-FFF2-40B4-BE49-F238E27FC236}">
+                <a16:creationId xmlns:a16="http://schemas.microsoft.com/office/drawing/2014/main" id="{57D89F7A-80E6-9AA5-4F2B-55AD6F0BD2E0}"/>
+              </a:ext>
+            </a:extLst>
+          </p:cNvPr>
+          <p:cNvSpPr txBox="1"/>
+          <p:nvPr/>
+        </p:nvSpPr>
+        <p:spPr>
+          <a:xfrm>
+            <a:off x="3252914" y="2530763"/>
+            <a:ext cx="5686172" cy="1107996"/>
+          </a:xfrm>
+          <a:prstGeom prst="rect">
+            <a:avLst/>
+          </a:prstGeom>
+          <a:solidFill>
+            <a:schemeClr val="tx1"/>
+          </a:solidFill>
+          <a:ln>
+            <a:noFill/>
+          </a:ln>
+          <a:effectLst>
+            <a:outerShdw blurRad="50800" dist="38100" dir="2700000" algn="tl" rotWithShape="0">
+              <a:schemeClr val="tx1">
+                <a:alpha val="40000"/>
+              </a:schemeClr>
+            </a:outerShdw>
+          </a:effectLst>
+        </p:spPr>
+        <p:style>
+          <a:lnRef idx="0">
+            <a:scrgbClr r="0" g="0" b="0"/>
+          </a:lnRef>
+          <a:fillRef idx="0">
+            <a:scrgbClr r="0" g="0" b="0"/>
+          </a:fillRef>
+          <a:effectRef idx="0">
+            <a:scrgbClr r="0" g="0" b="0"/>
+          </a:effectRef>
+          <a:fontRef idx="minor">
+            <a:schemeClr val="lt1"/>
+          </a:fontRef>
+        </p:style>
+        <p:txBody>
+          <a:bodyPr wrap="square" rtlCol="0">
+            <a:spAutoFit/>
+          </a:bodyPr>
+          <a:lstStyle/>
+          <a:p>
+            <a:pPr algn="dist"/>
+            <a:r>
+              <a:rPr lang="zh-CN" altLang="en-US" sz="6600" b="1">
+                <a:solidFill>
+                  <a:schemeClr val="bg1"/>
+                </a:solidFill>
+                <a:effectLst>
+                  <a:outerShdw blurRad="50800" dist="38100" algn="l" rotWithShape="0">
+                    <a:prstClr val="black">
+                      <a:alpha val="40000"/>
+                    </a:prstClr>
+                  </a:outerShdw>
+                </a:effectLst>
+                <a:latin typeface="SimSun" panose="02010600030101010101" pitchFamily="2" charset="-122"/>
+                <a:ea typeface="SimSun" panose="02010600030101010101" pitchFamily="2" charset="-122"/>
+              </a:rPr>
+              <a:t>餐饮汇报方案</a:t>
+            </a:r>
+          </a:p>
+        </p:txBody>
+      </p:sp>
+    </p:spTree>
+    <p:extLst>
+      <p:ext uri="{BB962C8B-B14F-4D97-AF65-F5344CB8AC3E}">
+        <p14:creationId xmlns:p14="http://schemas.microsoft.com/office/powerpoint/2010/main" val="4291638303"/>
+      </p:ext>
+    </p:extLst>
+  </p:cSld>
+  <p:clrMapOvr>
+    <a:masterClrMapping/>
+  </p:clrMapOvr>
+</p:sld>
+</file>
+
+<file path=ppt/slides/slide7.xml><?xml version="1.0" encoding="utf-8"?>
+<p:sld xmlns:a="http://schemas.openxmlformats.org/drawingml/2006/main" xmlns:r="http://schemas.openxmlformats.org/officeDocument/2006/relationships" xmlns:p="http://schemas.openxmlformats.org/presentationml/2006/main" showMasterSp="0">
+  <p:cSld>
+    <p:bg>
+      <p:bgPr>
+        <a:solidFill>
+          <a:schemeClr val="tx1"/>
+        </a:solidFill>
+        <a:effectLst/>
+      </p:bgPr>
+    </p:bg>
+    <p:spTree>
+      <p:nvGrpSpPr>
+        <p:cNvPr id="1" name=""/>
+        <p:cNvGrpSpPr/>
+        <p:nvPr/>
+      </p:nvGrpSpPr>
+      <p:grpSpPr>
+        <a:xfrm>
+          <a:off x="0" y="0"/>
+          <a:ext cx="0" cy="0"/>
+          <a:chOff x="0" y="0"/>
+          <a:chExt cx="0" cy="0"/>
+        </a:xfrm>
+      </p:grpSpPr>
+      <p:sp>
+        <p:nvSpPr>
+          <p:cNvPr id="2" name="日期占位符 1">
+            <a:extLst>
+              <a:ext uri="{FF2B5EF4-FFF2-40B4-BE49-F238E27FC236}">
+                <a16:creationId xmlns:a16="http://schemas.microsoft.com/office/drawing/2014/main" id="{C9111457-5C88-A676-05F8-86D4E5CDD5D7}"/>
+              </a:ext>
+            </a:extLst>
+          </p:cNvPr>
+          <p:cNvSpPr>
+            <a:spLocks noGrp="1"/>
+          </p:cNvSpPr>
+          <p:nvPr>
+            <p:ph type="dt" sz="half" idx="10"/>
+          </p:nvPr>
+        </p:nvSpPr>
+        <p:spPr/>
+        <p:txBody>
+          <a:bodyPr/>
+          <a:lstStyle/>
+          <a:p>
+            <a:fld id="{A2D25940-FF30-4149-A9B1-02F664B59A2B}" type="datetime1">
+              <a:rPr lang="zh-CN" altLang="en-US" smtClean="0"/>
+              <a:t>2023/6/15</a:t>
+            </a:fld>
+            <a:endParaRPr lang="zh-CN" altLang="en-US"/>
+          </a:p>
+        </p:txBody>
+      </p:sp>
+      <p:sp>
+        <p:nvSpPr>
+          <p:cNvPr id="3" name="页脚占位符 2">
+            <a:extLst>
+              <a:ext uri="{FF2B5EF4-FFF2-40B4-BE49-F238E27FC236}">
+                <a16:creationId xmlns:a16="http://schemas.microsoft.com/office/drawing/2014/main" id="{45E298F2-D53A-4D68-DE3C-468030D656B7}"/>
+              </a:ext>
+            </a:extLst>
+          </p:cNvPr>
+          <p:cNvSpPr>
+            <a:spLocks noGrp="1"/>
+          </p:cNvSpPr>
+          <p:nvPr>
+            <p:ph type="ftr" sz="quarter" idx="11"/>
+          </p:nvPr>
+        </p:nvSpPr>
+        <p:spPr/>
+        <p:txBody>
+          <a:bodyPr/>
+          <a:lstStyle/>
+          <a:p>
+            <a:r>
+              <a:rPr lang="en-US" altLang="zh-CN"/>
+              <a:t>Every page will display this footer</a:t>
+            </a:r>
+            <a:endParaRPr lang="zh-CN" altLang="en-US"/>
+          </a:p>
+        </p:txBody>
+      </p:sp>
+      <p:sp>
+        <p:nvSpPr>
+          <p:cNvPr id="4" name="灯片编号占位符 3">
+            <a:extLst>
+              <a:ext uri="{FF2B5EF4-FFF2-40B4-BE49-F238E27FC236}">
+                <a16:creationId xmlns:a16="http://schemas.microsoft.com/office/drawing/2014/main" id="{EEC4A82A-B963-FB09-F57A-CD34630BCF1E}"/>
+              </a:ext>
+            </a:extLst>
+          </p:cNvPr>
+          <p:cNvSpPr>
+            <a:spLocks noGrp="1"/>
+          </p:cNvSpPr>
+          <p:nvPr>
+            <p:ph type="sldNum" sz="quarter" idx="12"/>
+          </p:nvPr>
+        </p:nvSpPr>
+        <p:spPr/>
+        <p:txBody>
+          <a:bodyPr/>
+          <a:lstStyle/>
+          <a:p>
+            <a:fld id="{0830D28C-911A-49C0-ADAE-9E758095BB3B}" type="slidenum">
+              <a:rPr lang="zh-CN" altLang="en-US" smtClean="0"/>
+              <a:t>7</a:t>
+            </a:fld>
+            <a:endParaRPr lang="zh-CN" altLang="en-US"/>
+          </a:p>
+        </p:txBody>
+      </p:sp>
+      <p:sp>
+        <p:nvSpPr>
+          <p:cNvPr id="7" name="文本框 6">
+            <a:extLst>
+              <a:ext uri="{FF2B5EF4-FFF2-40B4-BE49-F238E27FC236}">
+                <a16:creationId xmlns:a16="http://schemas.microsoft.com/office/drawing/2014/main" id="{A0AB2FAC-CEA5-E722-624E-8D8F6A76B9B5}"/>
+              </a:ext>
+            </a:extLst>
+          </p:cNvPr>
+          <p:cNvSpPr txBox="1"/>
+          <p:nvPr/>
+        </p:nvSpPr>
+        <p:spPr>
+          <a:xfrm>
+            <a:off x="334963" y="69919"/>
+            <a:ext cx="2170112" cy="400110"/>
+          </a:xfrm>
+          <a:prstGeom prst="rect">
+            <a:avLst/>
+          </a:prstGeom>
+          <a:noFill/>
+        </p:spPr>
+        <p:txBody>
+          <a:bodyPr wrap="square" rtlCol="0">
+            <a:spAutoFit/>
+          </a:bodyPr>
+          <a:lstStyle/>
+          <a:p>
+            <a:r>
+              <a:rPr kumimoji="1" lang="en-US" altLang="zh-CN" sz="2000" b="1">
+                <a:solidFill>
+                  <a:schemeClr val="bg1"/>
+                </a:solidFill>
+                <a:latin typeface="SimSun" panose="02010600030101010101" pitchFamily="2" charset="-122"/>
+                <a:ea typeface="SimSun" panose="02010600030101010101" pitchFamily="2" charset="-122"/>
+              </a:rPr>
+              <a:t>▲</a:t>
+            </a:r>
+            <a:r>
+              <a:rPr kumimoji="1" lang="zh-CN" altLang="en-US" sz="2000" b="1">
+                <a:solidFill>
+                  <a:schemeClr val="bg1"/>
+                </a:solidFill>
+                <a:latin typeface="SimSun" panose="02010600030101010101" pitchFamily="2" charset="-122"/>
+                <a:ea typeface="SimSun" panose="02010600030101010101" pitchFamily="2" charset="-122"/>
+              </a:rPr>
+              <a:t> 表格效果</a:t>
+            </a:r>
+            <a:endParaRPr kumimoji="1" lang="zh-CN" altLang="en-US" sz="2000" b="1" dirty="0">
+              <a:solidFill>
+                <a:schemeClr val="bg1"/>
+              </a:solidFill>
+              <a:latin typeface="SimSun" panose="02010600030101010101" pitchFamily="2" charset="-122"/>
+              <a:ea typeface="SimSun" panose="02010600030101010101" pitchFamily="2" charset="-122"/>
+            </a:endParaRPr>
+          </a:p>
+        </p:txBody>
+      </p:sp>
+      <p:cxnSp>
+        <p:nvCxnSpPr>
+          <p:cNvPr id="8" name="直线连接符 7">
+            <a:extLst>
+              <a:ext uri="{FF2B5EF4-FFF2-40B4-BE49-F238E27FC236}">
+                <a16:creationId xmlns:a16="http://schemas.microsoft.com/office/drawing/2014/main" id="{3A1890FE-1C1B-B4D4-AD62-A55106418653}"/>
+              </a:ext>
+            </a:extLst>
+          </p:cNvPr>
+          <p:cNvCxnSpPr>
+            <a:cxnSpLocks/>
+          </p:cNvCxnSpPr>
+          <p:nvPr/>
+        </p:nvCxnSpPr>
+        <p:spPr>
+          <a:xfrm>
+            <a:off x="444853" y="538817"/>
+            <a:ext cx="11302293" cy="0"/>
+          </a:xfrm>
+          <a:prstGeom prst="line">
+            <a:avLst/>
+          </a:prstGeom>
+          <a:ln w="12700" cmpd="sng">
+            <a:solidFill>
+              <a:schemeClr val="bg1"/>
+            </a:solidFill>
+            <a:prstDash val="sysDash"/>
+          </a:ln>
+        </p:spPr>
+        <p:style>
+          <a:lnRef idx="1">
+            <a:schemeClr val="accent1"/>
+          </a:lnRef>
+          <a:fillRef idx="0">
+            <a:schemeClr val="accent1"/>
+          </a:fillRef>
+          <a:effectRef idx="0">
+            <a:schemeClr val="accent1"/>
+          </a:effectRef>
+          <a:fontRef idx="minor">
+            <a:schemeClr val="tx1"/>
+          </a:fontRef>
+        </p:style>
+      </p:cxnSp>
+    </p:spTree>
+    <p:extLst>
+      <p:ext uri="{BB962C8B-B14F-4D97-AF65-F5344CB8AC3E}">
+        <p14:creationId xmlns:p14="http://schemas.microsoft.com/office/powerpoint/2010/main" val="951504466"/>
       </p:ext>
     </p:extLst>
   </p:cSld>

--- a/Office办公套件/PowerPoint/PPT制作教程-bilibili/演示文稿1.pptx
+++ b/Office办公套件/PowerPoint/PPT制作教程-bilibili/演示文稿1.pptx
@@ -27843,293 +27843,6 @@
           </a:fontRef>
         </p:style>
       </p:cxnSp>
-      <p:graphicFrame>
-        <p:nvGraphicFramePr>
-          <p:cNvPr id="5" name="表格 6">
-            <a:extLst>
-              <a:ext uri="{FF2B5EF4-FFF2-40B4-BE49-F238E27FC236}">
-                <a16:creationId xmlns:a16="http://schemas.microsoft.com/office/drawing/2014/main" id="{4D3D8509-89EB-CEE8-EBF2-E185A8591223}"/>
-              </a:ext>
-            </a:extLst>
-          </p:cNvPr>
-          <p:cNvGraphicFramePr>
-            <a:graphicFrameLocks noGrp="1"/>
-          </p:cNvGraphicFramePr>
-          <p:nvPr>
-            <p:extLst>
-              <p:ext uri="{D42A27DB-BD31-4B8C-83A1-F6EECF244321}">
-                <p14:modId xmlns:p14="http://schemas.microsoft.com/office/powerpoint/2010/main" val="1115272539"/>
-              </p:ext>
-            </p:extLst>
-          </p:nvPr>
-        </p:nvGraphicFramePr>
-        <p:xfrm>
-          <a:off x="2032000" y="719663"/>
-          <a:ext cx="7308645" cy="5130532"/>
-        </p:xfrm>
-        <a:graphic>
-          <a:graphicData uri="http://schemas.openxmlformats.org/drawingml/2006/table">
-            <a:tbl>
-              <a:tblPr firstRow="1" bandRow="1">
-                <a:tableStyleId>{5C22544A-7EE6-4342-B048-85BDC9FD1C3A}</a:tableStyleId>
-              </a:tblPr>
-              <a:tblGrid>
-                <a:gridCol w="2436215">
-                  <a:extLst>
-                    <a:ext uri="{9D8B030D-6E8A-4147-A177-3AD203B41FA5}">
-                      <a16:colId xmlns:a16="http://schemas.microsoft.com/office/drawing/2014/main" val="2981463407"/>
-                    </a:ext>
-                  </a:extLst>
-                </a:gridCol>
-                <a:gridCol w="2436215">
-                  <a:extLst>
-                    <a:ext uri="{9D8B030D-6E8A-4147-A177-3AD203B41FA5}">
-                      <a16:colId xmlns:a16="http://schemas.microsoft.com/office/drawing/2014/main" val="457152581"/>
-                    </a:ext>
-                  </a:extLst>
-                </a:gridCol>
-                <a:gridCol w="2436215">
-                  <a:extLst>
-                    <a:ext uri="{9D8B030D-6E8A-4147-A177-3AD203B41FA5}">
-                      <a16:colId xmlns:a16="http://schemas.microsoft.com/office/drawing/2014/main" val="3738323728"/>
-                    </a:ext>
-                  </a:extLst>
-                </a:gridCol>
-              </a:tblGrid>
-              <a:tr h="2565266">
-                <a:tc>
-                  <a:txBody>
-                    <a:bodyPr/>
-                    <a:lstStyle/>
-                    <a:p>
-                      <a:endParaRPr lang="zh-CN" altLang="en-US"/>
-                    </a:p>
-                  </a:txBody>
-                  <a:tcPr>
-                    <a:lnL w="12700" cmpd="sng">
-                      <a:noFill/>
-                    </a:lnL>
-                    <a:lnR w="12700" cmpd="sng">
-                      <a:noFill/>
-                    </a:lnR>
-                    <a:lnT w="12700" cmpd="sng">
-                      <a:noFill/>
-                    </a:lnT>
-                    <a:lnB w="38100" cmpd="sng">
-                      <a:noFill/>
-                    </a:lnB>
-                    <a:lnTlToBr w="12700" cmpd="sng">
-                      <a:noFill/>
-                      <a:prstDash val="solid"/>
-                    </a:lnTlToBr>
-                    <a:lnBlToTr w="12700" cmpd="sng">
-                      <a:noFill/>
-                      <a:prstDash val="solid"/>
-                    </a:lnBlToTr>
-                    <a:blipFill dpi="0" rotWithShape="1">
-                      <a:blip r:embed="rId3"/>
-                      <a:srcRect/>
-                      <a:tile tx="0" ty="0" sx="100000" sy="100000" flip="none" algn="tl"/>
-                    </a:blipFill>
-                  </a:tcPr>
-                </a:tc>
-                <a:tc>
-                  <a:txBody>
-                    <a:bodyPr/>
-                    <a:lstStyle/>
-                    <a:p>
-                      <a:endParaRPr lang="zh-CN" altLang="en-US"/>
-                    </a:p>
-                  </a:txBody>
-                  <a:tcPr>
-                    <a:lnL w="12700" cmpd="sng">
-                      <a:noFill/>
-                    </a:lnL>
-                    <a:lnR w="12700" cmpd="sng">
-                      <a:noFill/>
-                    </a:lnR>
-                    <a:lnT w="12700" cmpd="sng">
-                      <a:noFill/>
-                    </a:lnT>
-                    <a:lnB w="38100" cmpd="sng">
-                      <a:noFill/>
-                    </a:lnB>
-                    <a:lnTlToBr w="12700" cmpd="sng">
-                      <a:noFill/>
-                      <a:prstDash val="solid"/>
-                    </a:lnTlToBr>
-                    <a:lnBlToTr w="12700" cmpd="sng">
-                      <a:noFill/>
-                      <a:prstDash val="solid"/>
-                    </a:lnBlToTr>
-                    <a:blipFill dpi="0" rotWithShape="1">
-                      <a:blip r:embed="rId3"/>
-                      <a:srcRect/>
-                      <a:tile tx="0" ty="0" sx="100000" sy="100000" flip="none" algn="tl"/>
-                    </a:blipFill>
-                  </a:tcPr>
-                </a:tc>
-                <a:tc>
-                  <a:txBody>
-                    <a:bodyPr/>
-                    <a:lstStyle/>
-                    <a:p>
-                      <a:endParaRPr lang="zh-CN" altLang="en-US"/>
-                    </a:p>
-                  </a:txBody>
-                  <a:tcPr>
-                    <a:lnL w="12700" cmpd="sng">
-                      <a:noFill/>
-                    </a:lnL>
-                    <a:lnR w="12700" cmpd="sng">
-                      <a:noFill/>
-                    </a:lnR>
-                    <a:lnT w="12700" cmpd="sng">
-                      <a:noFill/>
-                    </a:lnT>
-                    <a:lnB w="38100" cmpd="sng">
-                      <a:noFill/>
-                    </a:lnB>
-                    <a:lnTlToBr w="12700" cmpd="sng">
-                      <a:noFill/>
-                      <a:prstDash val="solid"/>
-                    </a:lnTlToBr>
-                    <a:lnBlToTr w="12700" cmpd="sng">
-                      <a:noFill/>
-                      <a:prstDash val="solid"/>
-                    </a:lnBlToTr>
-                    <a:blipFill dpi="0" rotWithShape="1">
-                      <a:blip r:embed="rId3"/>
-                      <a:srcRect/>
-                      <a:tile tx="0" ty="0" sx="100000" sy="100000" flip="none" algn="tl"/>
-                    </a:blipFill>
-                  </a:tcPr>
-                </a:tc>
-                <a:extLst>
-                  <a:ext uri="{0D108BD9-81ED-4DB2-BD59-A6C34878D82A}">
-                    <a16:rowId xmlns:a16="http://schemas.microsoft.com/office/drawing/2014/main" val="3971054129"/>
-                  </a:ext>
-                </a:extLst>
-              </a:tr>
-              <a:tr h="2565266">
-                <a:tc>
-                  <a:txBody>
-                    <a:bodyPr/>
-                    <a:lstStyle/>
-                    <a:p>
-                      <a:endParaRPr lang="zh-CN" altLang="en-US"/>
-                    </a:p>
-                  </a:txBody>
-                  <a:tcPr>
-                    <a:lnL w="12700" cmpd="sng">
-                      <a:noFill/>
-                    </a:lnL>
-                    <a:lnR w="12700" cmpd="sng">
-                      <a:noFill/>
-                    </a:lnR>
-                    <a:lnT w="38100" cmpd="sng">
-                      <a:noFill/>
-                    </a:lnT>
-                    <a:lnB w="12700" cmpd="sng">
-                      <a:noFill/>
-                    </a:lnB>
-                    <a:lnTlToBr w="12700" cmpd="sng">
-                      <a:noFill/>
-                      <a:prstDash val="solid"/>
-                    </a:lnTlToBr>
-                    <a:lnBlToTr w="12700" cmpd="sng">
-                      <a:noFill/>
-                      <a:prstDash val="solid"/>
-                    </a:lnBlToTr>
-                    <a:blipFill dpi="0" rotWithShape="1">
-                      <a:blip r:embed="rId3"/>
-                      <a:srcRect/>
-                      <a:tile tx="0" ty="0" sx="100000" sy="100000" flip="none" algn="tl"/>
-                    </a:blipFill>
-                  </a:tcPr>
-                </a:tc>
-                <a:tc>
-                  <a:txBody>
-                    <a:bodyPr/>
-                    <a:lstStyle/>
-                    <a:p>
-                      <a:endParaRPr lang="zh-CN" altLang="en-US"/>
-                    </a:p>
-                  </a:txBody>
-                  <a:tcPr>
-                    <a:lnL w="12700" cmpd="sng">
-                      <a:noFill/>
-                    </a:lnL>
-                    <a:lnR w="12700" cmpd="sng">
-                      <a:noFill/>
-                    </a:lnR>
-                    <a:lnT w="38100" cmpd="sng">
-                      <a:noFill/>
-                    </a:lnT>
-                    <a:lnB w="12700" cmpd="sng">
-                      <a:noFill/>
-                    </a:lnB>
-                    <a:lnTlToBr w="12700" cmpd="sng">
-                      <a:noFill/>
-                      <a:prstDash val="solid"/>
-                    </a:lnTlToBr>
-                    <a:lnBlToTr w="12700" cmpd="sng">
-                      <a:noFill/>
-                      <a:prstDash val="solid"/>
-                    </a:lnBlToTr>
-                    <a:blipFill dpi="0" rotWithShape="1">
-                      <a:blip r:embed="rId3"/>
-                      <a:srcRect/>
-                      <a:tile tx="0" ty="0" sx="100000" sy="100000" flip="none" algn="tl"/>
-                    </a:blipFill>
-                  </a:tcPr>
-                </a:tc>
-                <a:tc>
-                  <a:txBody>
-                    <a:bodyPr/>
-                    <a:lstStyle/>
-                    <a:p>
-                      <a:endParaRPr lang="zh-CN" altLang="en-US"/>
-                    </a:p>
-                  </a:txBody>
-                  <a:tcPr>
-                    <a:lnL w="12700" cmpd="sng">
-                      <a:noFill/>
-                    </a:lnL>
-                    <a:lnR w="12700" cmpd="sng">
-                      <a:noFill/>
-                    </a:lnR>
-                    <a:lnT w="38100" cmpd="sng">
-                      <a:noFill/>
-                    </a:lnT>
-                    <a:lnB w="12700" cmpd="sng">
-                      <a:noFill/>
-                    </a:lnB>
-                    <a:lnTlToBr w="12700" cmpd="sng">
-                      <a:noFill/>
-                      <a:prstDash val="solid"/>
-                    </a:lnTlToBr>
-                    <a:lnBlToTr w="12700" cmpd="sng">
-                      <a:noFill/>
-                      <a:prstDash val="solid"/>
-                    </a:lnBlToTr>
-                    <a:blipFill dpi="0" rotWithShape="1">
-                      <a:blip r:embed="rId3"/>
-                      <a:srcRect/>
-                      <a:tile tx="0" ty="0" sx="100000" sy="100000" flip="none" algn="tl"/>
-                    </a:blipFill>
-                  </a:tcPr>
-                </a:tc>
-                <a:extLst>
-                  <a:ext uri="{0D108BD9-81ED-4DB2-BD59-A6C34878D82A}">
-                    <a16:rowId xmlns:a16="http://schemas.microsoft.com/office/drawing/2014/main" val="3825828461"/>
-                  </a:ext>
-                </a:extLst>
-              </a:tr>
-            </a:tbl>
-          </a:graphicData>
-        </a:graphic>
-      </p:graphicFrame>
     </p:spTree>
     <p:extLst>
       <p:ext uri="{BB962C8B-B14F-4D97-AF65-F5344CB8AC3E}">
